--- a/3o-Paradoteo/Domain_Model_v0.2.pptx
+++ b/3o-Paradoteo/Domain_Model_v0.2.pptx
@@ -1,11 +1,11 @@
 
 <file path=ppt/presentation.xml><?xml version="1.0" encoding="utf-8"?>
-<p:presentation xmlns:a="http://schemas.openxmlformats.org/drawingml/2006/main" xmlns:r="http://schemas.openxmlformats.org/officeDocument/2006/relationships" xmlns:p="http://schemas.openxmlformats.org/presentationml/2006/main" saveSubsetFonts="1">
+<p:presentation xmlns:a="http://schemas.openxmlformats.org/drawingml/2006/main" xmlns:r="http://schemas.openxmlformats.org/officeDocument/2006/relationships" xmlns:p="http://schemas.openxmlformats.org/presentationml/2006/main">
   <p:sldMasterIdLst>
-    <p:sldMasterId id="2147483708" r:id="rId1"/>
+    <p:sldMasterId id="2147483648" r:id="rId1"/>
   </p:sldMasterIdLst>
   <p:sldIdLst>
-    <p:sldId id="256" r:id="rId2"/>
+    <p:sldId id="256" r:id="rId3"/>
   </p:sldIdLst>
   <p:sldSz cx="12192000" cy="17373600"/>
   <p:notesSz cx="6858000" cy="9144000"/>
@@ -104,11 +104,6 @@
       </a:defRPr>
     </a:lvl9pPr>
   </p:defaultTextStyle>
-  <p:extLst>
-    <p:ext uri="{EFAFB233-063F-42B5-8137-9DF3F51BA10A}">
-      <p15:sldGuideLst xmlns:p15="http://schemas.microsoft.com/office/powerpoint/2012/main"/>
-    </p:ext>
-  </p:extLst>
 </p:presentation>
 </file>
 
@@ -184,37 +179,37 @@
               <a:buNone/>
               <a:defRPr sz="3200"/>
             </a:lvl1pPr>
-            <a:lvl2pPr marL="609585" indent="0" algn="ctr">
+            <a:lvl2pPr marL="609600" indent="0" algn="ctr">
               <a:buNone/>
-              <a:defRPr sz="2667"/>
+              <a:defRPr sz="2665"/>
             </a:lvl2pPr>
-            <a:lvl3pPr marL="1219170" indent="0" algn="ctr">
+            <a:lvl3pPr marL="1219200" indent="0" algn="ctr">
               <a:buNone/>
               <a:defRPr sz="2400"/>
             </a:lvl3pPr>
-            <a:lvl4pPr marL="1828754" indent="0" algn="ctr">
+            <a:lvl4pPr marL="1828800" indent="0" algn="ctr">
               <a:buNone/>
-              <a:defRPr sz="2133"/>
+              <a:defRPr sz="2135"/>
             </a:lvl4pPr>
-            <a:lvl5pPr marL="2438339" indent="0" algn="ctr">
+            <a:lvl5pPr marL="2438400" indent="0" algn="ctr">
               <a:buNone/>
-              <a:defRPr sz="2133"/>
+              <a:defRPr sz="2135"/>
             </a:lvl5pPr>
-            <a:lvl6pPr marL="3047924" indent="0" algn="ctr">
+            <a:lvl6pPr marL="3048000" indent="0" algn="ctr">
               <a:buNone/>
-              <a:defRPr sz="2133"/>
+              <a:defRPr sz="2135"/>
             </a:lvl6pPr>
-            <a:lvl7pPr marL="3657509" indent="0" algn="ctr">
+            <a:lvl7pPr marL="3657600" indent="0" algn="ctr">
               <a:buNone/>
-              <a:defRPr sz="2133"/>
+              <a:defRPr sz="2135"/>
             </a:lvl7pPr>
-            <a:lvl8pPr marL="4267093" indent="0" algn="ctr">
+            <a:lvl8pPr marL="4267200" indent="0" algn="ctr">
               <a:buNone/>
-              <a:defRPr sz="2133"/>
+              <a:defRPr sz="2135"/>
             </a:lvl8pPr>
-            <a:lvl9pPr marL="4876678" indent="0" algn="ctr">
+            <a:lvl9pPr marL="4876800" indent="0" algn="ctr">
               <a:buNone/>
-              <a:defRPr sz="2133"/>
+              <a:defRPr sz="2135"/>
             </a:lvl9pPr>
           </a:lstStyle>
           <a:p>
@@ -243,7 +238,6 @@
           <a:p>
             <a:fld id="{5DDEE199-6157-4355-B66F-B6185FA4CEAC}" type="datetimeFigureOut">
               <a:rPr lang="en-US" smtClean="0"/>
-              <a:t>5/4/2022</a:t>
             </a:fld>
             <a:endParaRPr lang="en-US"/>
           </a:p>
@@ -285,18 +279,12 @@
           <a:p>
             <a:fld id="{F12842E0-B5C4-4635-A59A-41F146C0A53F}" type="slidenum">
               <a:rPr lang="en-US" smtClean="0"/>
-              <a:t>‹#›</a:t>
             </a:fld>
             <a:endParaRPr lang="en-US"/>
           </a:p>
         </p:txBody>
       </p:sp>
     </p:spTree>
-    <p:extLst>
-      <p:ext uri="{BB962C8B-B14F-4D97-AF65-F5344CB8AC3E}">
-        <p14:creationId xmlns:p14="http://schemas.microsoft.com/office/powerpoint/2010/main" val="1225766036"/>
-      </p:ext>
-    </p:extLst>
   </p:cSld>
   <p:clrMapOvr>
     <a:masterClrMapping/>
@@ -364,6 +352,7 @@
               <a:rPr lang="en-US"/>
               <a:t>Click to edit Master text styles</a:t>
             </a:r>
+            <a:endParaRPr lang="en-US"/>
           </a:p>
           <a:p>
             <a:pPr lvl="1"/>
@@ -371,6 +360,7 @@
               <a:rPr lang="en-US"/>
               <a:t>Second level</a:t>
             </a:r>
+            <a:endParaRPr lang="en-US"/>
           </a:p>
           <a:p>
             <a:pPr lvl="2"/>
@@ -378,6 +368,7 @@
               <a:rPr lang="en-US"/>
               <a:t>Third level</a:t>
             </a:r>
+            <a:endParaRPr lang="en-US"/>
           </a:p>
           <a:p>
             <a:pPr lvl="3"/>
@@ -385,6 +376,7 @@
               <a:rPr lang="en-US"/>
               <a:t>Fourth level</a:t>
             </a:r>
+            <a:endParaRPr lang="en-US"/>
           </a:p>
           <a:p>
             <a:pPr lvl="4"/>
@@ -413,7 +405,6 @@
           <a:p>
             <a:fld id="{5DDEE199-6157-4355-B66F-B6185FA4CEAC}" type="datetimeFigureOut">
               <a:rPr lang="en-US" smtClean="0"/>
-              <a:t>5/4/2022</a:t>
             </a:fld>
             <a:endParaRPr lang="en-US"/>
           </a:p>
@@ -455,18 +446,12 @@
           <a:p>
             <a:fld id="{F12842E0-B5C4-4635-A59A-41F146C0A53F}" type="slidenum">
               <a:rPr lang="en-US" smtClean="0"/>
-              <a:t>‹#›</a:t>
             </a:fld>
             <a:endParaRPr lang="en-US"/>
           </a:p>
         </p:txBody>
       </p:sp>
     </p:spTree>
-    <p:extLst>
-      <p:ext uri="{BB962C8B-B14F-4D97-AF65-F5344CB8AC3E}">
-        <p14:creationId xmlns:p14="http://schemas.microsoft.com/office/powerpoint/2010/main" val="150472898"/>
-      </p:ext>
-    </p:extLst>
   </p:cSld>
   <p:clrMapOvr>
     <a:masterClrMapping/>
@@ -544,6 +529,7 @@
               <a:rPr lang="en-US"/>
               <a:t>Click to edit Master text styles</a:t>
             </a:r>
+            <a:endParaRPr lang="en-US"/>
           </a:p>
           <a:p>
             <a:pPr lvl="1"/>
@@ -551,6 +537,7 @@
               <a:rPr lang="en-US"/>
               <a:t>Second level</a:t>
             </a:r>
+            <a:endParaRPr lang="en-US"/>
           </a:p>
           <a:p>
             <a:pPr lvl="2"/>
@@ -558,6 +545,7 @@
               <a:rPr lang="en-US"/>
               <a:t>Third level</a:t>
             </a:r>
+            <a:endParaRPr lang="en-US"/>
           </a:p>
           <a:p>
             <a:pPr lvl="3"/>
@@ -565,6 +553,7 @@
               <a:rPr lang="en-US"/>
               <a:t>Fourth level</a:t>
             </a:r>
+            <a:endParaRPr lang="en-US"/>
           </a:p>
           <a:p>
             <a:pPr lvl="4"/>
@@ -593,7 +582,6 @@
           <a:p>
             <a:fld id="{5DDEE199-6157-4355-B66F-B6185FA4CEAC}" type="datetimeFigureOut">
               <a:rPr lang="en-US" smtClean="0"/>
-              <a:t>5/4/2022</a:t>
             </a:fld>
             <a:endParaRPr lang="en-US"/>
           </a:p>
@@ -635,18 +623,12 @@
           <a:p>
             <a:fld id="{F12842E0-B5C4-4635-A59A-41F146C0A53F}" type="slidenum">
               <a:rPr lang="en-US" smtClean="0"/>
-              <a:t>‹#›</a:t>
             </a:fld>
             <a:endParaRPr lang="en-US"/>
           </a:p>
         </p:txBody>
       </p:sp>
     </p:spTree>
-    <p:extLst>
-      <p:ext uri="{BB962C8B-B14F-4D97-AF65-F5344CB8AC3E}">
-        <p14:creationId xmlns:p14="http://schemas.microsoft.com/office/powerpoint/2010/main" val="2612945595"/>
-      </p:ext>
-    </p:extLst>
   </p:cSld>
   <p:clrMapOvr>
     <a:masterClrMapping/>
@@ -714,6 +696,7 @@
               <a:rPr lang="en-US"/>
               <a:t>Click to edit Master text styles</a:t>
             </a:r>
+            <a:endParaRPr lang="en-US"/>
           </a:p>
           <a:p>
             <a:pPr lvl="1"/>
@@ -721,6 +704,7 @@
               <a:rPr lang="en-US"/>
               <a:t>Second level</a:t>
             </a:r>
+            <a:endParaRPr lang="en-US"/>
           </a:p>
           <a:p>
             <a:pPr lvl="2"/>
@@ -728,6 +712,7 @@
               <a:rPr lang="en-US"/>
               <a:t>Third level</a:t>
             </a:r>
+            <a:endParaRPr lang="en-US"/>
           </a:p>
           <a:p>
             <a:pPr lvl="3"/>
@@ -735,6 +720,7 @@
               <a:rPr lang="en-US"/>
               <a:t>Fourth level</a:t>
             </a:r>
+            <a:endParaRPr lang="en-US"/>
           </a:p>
           <a:p>
             <a:pPr lvl="4"/>
@@ -763,7 +749,6 @@
           <a:p>
             <a:fld id="{5DDEE199-6157-4355-B66F-B6185FA4CEAC}" type="datetimeFigureOut">
               <a:rPr lang="en-US" smtClean="0"/>
-              <a:t>5/4/2022</a:t>
             </a:fld>
             <a:endParaRPr lang="en-US"/>
           </a:p>
@@ -805,18 +790,12 @@
           <a:p>
             <a:fld id="{F12842E0-B5C4-4635-A59A-41F146C0A53F}" type="slidenum">
               <a:rPr lang="en-US" smtClean="0"/>
-              <a:t>‹#›</a:t>
             </a:fld>
             <a:endParaRPr lang="en-US"/>
           </a:p>
         </p:txBody>
       </p:sp>
     </p:spTree>
-    <p:extLst>
-      <p:ext uri="{BB962C8B-B14F-4D97-AF65-F5344CB8AC3E}">
-        <p14:creationId xmlns:p14="http://schemas.microsoft.com/office/powerpoint/2010/main" val="3163771230"/>
-      </p:ext>
-    </p:extLst>
   </p:cSld>
   <p:clrMapOvr>
     <a:masterClrMapping/>
@@ -900,9 +879,9 @@
                 </a:solidFill>
               </a:defRPr>
             </a:lvl1pPr>
-            <a:lvl2pPr marL="609585" indent="0">
+            <a:lvl2pPr marL="609600" indent="0">
               <a:buNone/>
-              <a:defRPr sz="2667">
+              <a:defRPr sz="2665">
                 <a:solidFill>
                   <a:schemeClr val="tx1">
                     <a:tint val="75000"/>
@@ -910,7 +889,7 @@
                 </a:solidFill>
               </a:defRPr>
             </a:lvl2pPr>
-            <a:lvl3pPr marL="1219170" indent="0">
+            <a:lvl3pPr marL="1219200" indent="0">
               <a:buNone/>
               <a:defRPr sz="2400">
                 <a:solidFill>
@@ -920,9 +899,9 @@
                 </a:solidFill>
               </a:defRPr>
             </a:lvl3pPr>
-            <a:lvl4pPr marL="1828754" indent="0">
+            <a:lvl4pPr marL="1828800" indent="0">
               <a:buNone/>
-              <a:defRPr sz="2133">
+              <a:defRPr sz="2135">
                 <a:solidFill>
                   <a:schemeClr val="tx1">
                     <a:tint val="75000"/>
@@ -930,9 +909,9 @@
                 </a:solidFill>
               </a:defRPr>
             </a:lvl4pPr>
-            <a:lvl5pPr marL="2438339" indent="0">
+            <a:lvl5pPr marL="2438400" indent="0">
               <a:buNone/>
-              <a:defRPr sz="2133">
+              <a:defRPr sz="2135">
                 <a:solidFill>
                   <a:schemeClr val="tx1">
                     <a:tint val="75000"/>
@@ -940,9 +919,9 @@
                 </a:solidFill>
               </a:defRPr>
             </a:lvl5pPr>
-            <a:lvl6pPr marL="3047924" indent="0">
+            <a:lvl6pPr marL="3048000" indent="0">
               <a:buNone/>
-              <a:defRPr sz="2133">
+              <a:defRPr sz="2135">
                 <a:solidFill>
                   <a:schemeClr val="tx1">
                     <a:tint val="75000"/>
@@ -950,9 +929,9 @@
                 </a:solidFill>
               </a:defRPr>
             </a:lvl6pPr>
-            <a:lvl7pPr marL="3657509" indent="0">
+            <a:lvl7pPr marL="3657600" indent="0">
               <a:buNone/>
-              <a:defRPr sz="2133">
+              <a:defRPr sz="2135">
                 <a:solidFill>
                   <a:schemeClr val="tx1">
                     <a:tint val="75000"/>
@@ -960,9 +939,9 @@
                 </a:solidFill>
               </a:defRPr>
             </a:lvl7pPr>
-            <a:lvl8pPr marL="4267093" indent="0">
+            <a:lvl8pPr marL="4267200" indent="0">
               <a:buNone/>
-              <a:defRPr sz="2133">
+              <a:defRPr sz="2135">
                 <a:solidFill>
                   <a:schemeClr val="tx1">
                     <a:tint val="75000"/>
@@ -970,9 +949,9 @@
                 </a:solidFill>
               </a:defRPr>
             </a:lvl8pPr>
-            <a:lvl9pPr marL="4876678" indent="0">
+            <a:lvl9pPr marL="4876800" indent="0">
               <a:buNone/>
-              <a:defRPr sz="2133">
+              <a:defRPr sz="2135">
                 <a:solidFill>
                   <a:schemeClr val="tx1">
                     <a:tint val="75000"/>
@@ -987,6 +966,7 @@
               <a:rPr lang="en-US"/>
               <a:t>Click to edit Master text styles</a:t>
             </a:r>
+            <a:endParaRPr lang="en-US"/>
           </a:p>
         </p:txBody>
       </p:sp>
@@ -1007,7 +987,6 @@
           <a:p>
             <a:fld id="{5DDEE199-6157-4355-B66F-B6185FA4CEAC}" type="datetimeFigureOut">
               <a:rPr lang="en-US" smtClean="0"/>
-              <a:t>5/4/2022</a:t>
             </a:fld>
             <a:endParaRPr lang="en-US"/>
           </a:p>
@@ -1049,18 +1028,12 @@
           <a:p>
             <a:fld id="{F12842E0-B5C4-4635-A59A-41F146C0A53F}" type="slidenum">
               <a:rPr lang="en-US" smtClean="0"/>
-              <a:t>‹#›</a:t>
             </a:fld>
             <a:endParaRPr lang="en-US"/>
           </a:p>
         </p:txBody>
       </p:sp>
     </p:spTree>
-    <p:extLst>
-      <p:ext uri="{BB962C8B-B14F-4D97-AF65-F5344CB8AC3E}">
-        <p14:creationId xmlns:p14="http://schemas.microsoft.com/office/powerpoint/2010/main" val="1251994010"/>
-      </p:ext>
-    </p:extLst>
   </p:cSld>
   <p:clrMapOvr>
     <a:masterClrMapping/>
@@ -1133,6 +1106,7 @@
               <a:rPr lang="en-US"/>
               <a:t>Click to edit Master text styles</a:t>
             </a:r>
+            <a:endParaRPr lang="en-US"/>
           </a:p>
           <a:p>
             <a:pPr lvl="1"/>
@@ -1140,6 +1114,7 @@
               <a:rPr lang="en-US"/>
               <a:t>Second level</a:t>
             </a:r>
+            <a:endParaRPr lang="en-US"/>
           </a:p>
           <a:p>
             <a:pPr lvl="2"/>
@@ -1147,6 +1122,7 @@
               <a:rPr lang="en-US"/>
               <a:t>Third level</a:t>
             </a:r>
+            <a:endParaRPr lang="en-US"/>
           </a:p>
           <a:p>
             <a:pPr lvl="3"/>
@@ -1154,6 +1130,7 @@
               <a:rPr lang="en-US"/>
               <a:t>Fourth level</a:t>
             </a:r>
+            <a:endParaRPr lang="en-US"/>
           </a:p>
           <a:p>
             <a:pPr lvl="4"/>
@@ -1190,6 +1167,7 @@
               <a:rPr lang="en-US"/>
               <a:t>Click to edit Master text styles</a:t>
             </a:r>
+            <a:endParaRPr lang="en-US"/>
           </a:p>
           <a:p>
             <a:pPr lvl="1"/>
@@ -1197,6 +1175,7 @@
               <a:rPr lang="en-US"/>
               <a:t>Second level</a:t>
             </a:r>
+            <a:endParaRPr lang="en-US"/>
           </a:p>
           <a:p>
             <a:pPr lvl="2"/>
@@ -1204,6 +1183,7 @@
               <a:rPr lang="en-US"/>
               <a:t>Third level</a:t>
             </a:r>
+            <a:endParaRPr lang="en-US"/>
           </a:p>
           <a:p>
             <a:pPr lvl="3"/>
@@ -1211,6 +1191,7 @@
               <a:rPr lang="en-US"/>
               <a:t>Fourth level</a:t>
             </a:r>
+            <a:endParaRPr lang="en-US"/>
           </a:p>
           <a:p>
             <a:pPr lvl="4"/>
@@ -1239,7 +1220,6 @@
           <a:p>
             <a:fld id="{5DDEE199-6157-4355-B66F-B6185FA4CEAC}" type="datetimeFigureOut">
               <a:rPr lang="en-US" smtClean="0"/>
-              <a:t>5/4/2022</a:t>
             </a:fld>
             <a:endParaRPr lang="en-US"/>
           </a:p>
@@ -1281,18 +1261,12 @@
           <a:p>
             <a:fld id="{F12842E0-B5C4-4635-A59A-41F146C0A53F}" type="slidenum">
               <a:rPr lang="en-US" smtClean="0"/>
-              <a:t>‹#›</a:t>
             </a:fld>
             <a:endParaRPr lang="en-US"/>
           </a:p>
         </p:txBody>
       </p:sp>
     </p:spTree>
-    <p:extLst>
-      <p:ext uri="{BB962C8B-B14F-4D97-AF65-F5344CB8AC3E}">
-        <p14:creationId xmlns:p14="http://schemas.microsoft.com/office/powerpoint/2010/main" val="3696456123"/>
-      </p:ext>
-    </p:extLst>
   </p:cSld>
   <p:clrMapOvr>
     <a:masterClrMapping/>
@@ -1368,37 +1342,37 @@
               <a:buNone/>
               <a:defRPr sz="3200" b="1"/>
             </a:lvl1pPr>
-            <a:lvl2pPr marL="609585" indent="0">
+            <a:lvl2pPr marL="609600" indent="0">
               <a:buNone/>
-              <a:defRPr sz="2667" b="1"/>
+              <a:defRPr sz="2665" b="1"/>
             </a:lvl2pPr>
-            <a:lvl3pPr marL="1219170" indent="0">
+            <a:lvl3pPr marL="1219200" indent="0">
               <a:buNone/>
               <a:defRPr sz="2400" b="1"/>
             </a:lvl3pPr>
-            <a:lvl4pPr marL="1828754" indent="0">
+            <a:lvl4pPr marL="1828800" indent="0">
               <a:buNone/>
-              <a:defRPr sz="2133" b="1"/>
+              <a:defRPr sz="2135" b="1"/>
             </a:lvl4pPr>
-            <a:lvl5pPr marL="2438339" indent="0">
+            <a:lvl5pPr marL="2438400" indent="0">
               <a:buNone/>
-              <a:defRPr sz="2133" b="1"/>
+              <a:defRPr sz="2135" b="1"/>
             </a:lvl5pPr>
-            <a:lvl6pPr marL="3047924" indent="0">
+            <a:lvl6pPr marL="3048000" indent="0">
               <a:buNone/>
-              <a:defRPr sz="2133" b="1"/>
+              <a:defRPr sz="2135" b="1"/>
             </a:lvl6pPr>
-            <a:lvl7pPr marL="3657509" indent="0">
+            <a:lvl7pPr marL="3657600" indent="0">
               <a:buNone/>
-              <a:defRPr sz="2133" b="1"/>
+              <a:defRPr sz="2135" b="1"/>
             </a:lvl7pPr>
-            <a:lvl8pPr marL="4267093" indent="0">
+            <a:lvl8pPr marL="4267200" indent="0">
               <a:buNone/>
-              <a:defRPr sz="2133" b="1"/>
+              <a:defRPr sz="2135" b="1"/>
             </a:lvl8pPr>
-            <a:lvl9pPr marL="4876678" indent="0">
+            <a:lvl9pPr marL="4876800" indent="0">
               <a:buNone/>
-              <a:defRPr sz="2133" b="1"/>
+              <a:defRPr sz="2135" b="1"/>
             </a:lvl9pPr>
           </a:lstStyle>
           <a:p>
@@ -1407,6 +1381,7 @@
               <a:rPr lang="en-US"/>
               <a:t>Click to edit Master text styles</a:t>
             </a:r>
+            <a:endParaRPr lang="en-US"/>
           </a:p>
         </p:txBody>
       </p:sp>
@@ -1435,6 +1410,7 @@
               <a:rPr lang="en-US"/>
               <a:t>Click to edit Master text styles</a:t>
             </a:r>
+            <a:endParaRPr lang="en-US"/>
           </a:p>
           <a:p>
             <a:pPr lvl="1"/>
@@ -1442,6 +1418,7 @@
               <a:rPr lang="en-US"/>
               <a:t>Second level</a:t>
             </a:r>
+            <a:endParaRPr lang="en-US"/>
           </a:p>
           <a:p>
             <a:pPr lvl="2"/>
@@ -1449,6 +1426,7 @@
               <a:rPr lang="en-US"/>
               <a:t>Third level</a:t>
             </a:r>
+            <a:endParaRPr lang="en-US"/>
           </a:p>
           <a:p>
             <a:pPr lvl="3"/>
@@ -1456,6 +1434,7 @@
               <a:rPr lang="en-US"/>
               <a:t>Fourth level</a:t>
             </a:r>
+            <a:endParaRPr lang="en-US"/>
           </a:p>
           <a:p>
             <a:pPr lvl="4"/>
@@ -1490,37 +1469,37 @@
               <a:buNone/>
               <a:defRPr sz="3200" b="1"/>
             </a:lvl1pPr>
-            <a:lvl2pPr marL="609585" indent="0">
+            <a:lvl2pPr marL="609600" indent="0">
               <a:buNone/>
-              <a:defRPr sz="2667" b="1"/>
+              <a:defRPr sz="2665" b="1"/>
             </a:lvl2pPr>
-            <a:lvl3pPr marL="1219170" indent="0">
+            <a:lvl3pPr marL="1219200" indent="0">
               <a:buNone/>
               <a:defRPr sz="2400" b="1"/>
             </a:lvl3pPr>
-            <a:lvl4pPr marL="1828754" indent="0">
+            <a:lvl4pPr marL="1828800" indent="0">
               <a:buNone/>
-              <a:defRPr sz="2133" b="1"/>
+              <a:defRPr sz="2135" b="1"/>
             </a:lvl4pPr>
-            <a:lvl5pPr marL="2438339" indent="0">
+            <a:lvl5pPr marL="2438400" indent="0">
               <a:buNone/>
-              <a:defRPr sz="2133" b="1"/>
+              <a:defRPr sz="2135" b="1"/>
             </a:lvl5pPr>
-            <a:lvl6pPr marL="3047924" indent="0">
+            <a:lvl6pPr marL="3048000" indent="0">
               <a:buNone/>
-              <a:defRPr sz="2133" b="1"/>
+              <a:defRPr sz="2135" b="1"/>
             </a:lvl6pPr>
-            <a:lvl7pPr marL="3657509" indent="0">
+            <a:lvl7pPr marL="3657600" indent="0">
               <a:buNone/>
-              <a:defRPr sz="2133" b="1"/>
+              <a:defRPr sz="2135" b="1"/>
             </a:lvl7pPr>
-            <a:lvl8pPr marL="4267093" indent="0">
+            <a:lvl8pPr marL="4267200" indent="0">
               <a:buNone/>
-              <a:defRPr sz="2133" b="1"/>
+              <a:defRPr sz="2135" b="1"/>
             </a:lvl8pPr>
-            <a:lvl9pPr marL="4876678" indent="0">
+            <a:lvl9pPr marL="4876800" indent="0">
               <a:buNone/>
-              <a:defRPr sz="2133" b="1"/>
+              <a:defRPr sz="2135" b="1"/>
             </a:lvl9pPr>
           </a:lstStyle>
           <a:p>
@@ -1529,6 +1508,7 @@
               <a:rPr lang="en-US"/>
               <a:t>Click to edit Master text styles</a:t>
             </a:r>
+            <a:endParaRPr lang="en-US"/>
           </a:p>
         </p:txBody>
       </p:sp>
@@ -1557,6 +1537,7 @@
               <a:rPr lang="en-US"/>
               <a:t>Click to edit Master text styles</a:t>
             </a:r>
+            <a:endParaRPr lang="en-US"/>
           </a:p>
           <a:p>
             <a:pPr lvl="1"/>
@@ -1564,6 +1545,7 @@
               <a:rPr lang="en-US"/>
               <a:t>Second level</a:t>
             </a:r>
+            <a:endParaRPr lang="en-US"/>
           </a:p>
           <a:p>
             <a:pPr lvl="2"/>
@@ -1571,6 +1553,7 @@
               <a:rPr lang="en-US"/>
               <a:t>Third level</a:t>
             </a:r>
+            <a:endParaRPr lang="en-US"/>
           </a:p>
           <a:p>
             <a:pPr lvl="3"/>
@@ -1578,6 +1561,7 @@
               <a:rPr lang="en-US"/>
               <a:t>Fourth level</a:t>
             </a:r>
+            <a:endParaRPr lang="en-US"/>
           </a:p>
           <a:p>
             <a:pPr lvl="4"/>
@@ -1606,7 +1590,6 @@
           <a:p>
             <a:fld id="{5DDEE199-6157-4355-B66F-B6185FA4CEAC}" type="datetimeFigureOut">
               <a:rPr lang="en-US" smtClean="0"/>
-              <a:t>5/4/2022</a:t>
             </a:fld>
             <a:endParaRPr lang="en-US"/>
           </a:p>
@@ -1648,18 +1631,12 @@
           <a:p>
             <a:fld id="{F12842E0-B5C4-4635-A59A-41F146C0A53F}" type="slidenum">
               <a:rPr lang="en-US" smtClean="0"/>
-              <a:t>‹#›</a:t>
             </a:fld>
             <a:endParaRPr lang="en-US"/>
           </a:p>
         </p:txBody>
       </p:sp>
     </p:spTree>
-    <p:extLst>
-      <p:ext uri="{BB962C8B-B14F-4D97-AF65-F5344CB8AC3E}">
-        <p14:creationId xmlns:p14="http://schemas.microsoft.com/office/powerpoint/2010/main" val="2640471505"/>
-      </p:ext>
-    </p:extLst>
   </p:cSld>
   <p:clrMapOvr>
     <a:masterClrMapping/>
@@ -1724,7 +1701,6 @@
           <a:p>
             <a:fld id="{5DDEE199-6157-4355-B66F-B6185FA4CEAC}" type="datetimeFigureOut">
               <a:rPr lang="en-US" smtClean="0"/>
-              <a:t>5/4/2022</a:t>
             </a:fld>
             <a:endParaRPr lang="en-US"/>
           </a:p>
@@ -1766,18 +1742,12 @@
           <a:p>
             <a:fld id="{F12842E0-B5C4-4635-A59A-41F146C0A53F}" type="slidenum">
               <a:rPr lang="en-US" smtClean="0"/>
-              <a:t>‹#›</a:t>
             </a:fld>
             <a:endParaRPr lang="en-US"/>
           </a:p>
         </p:txBody>
       </p:sp>
     </p:spTree>
-    <p:extLst>
-      <p:ext uri="{BB962C8B-B14F-4D97-AF65-F5344CB8AC3E}">
-        <p14:creationId xmlns:p14="http://schemas.microsoft.com/office/powerpoint/2010/main" val="3910076683"/>
-      </p:ext>
-    </p:extLst>
   </p:cSld>
   <p:clrMapOvr>
     <a:masterClrMapping/>
@@ -1819,7 +1789,6 @@
           <a:p>
             <a:fld id="{5DDEE199-6157-4355-B66F-B6185FA4CEAC}" type="datetimeFigureOut">
               <a:rPr lang="en-US" smtClean="0"/>
-              <a:t>5/4/2022</a:t>
             </a:fld>
             <a:endParaRPr lang="en-US"/>
           </a:p>
@@ -1861,18 +1830,12 @@
           <a:p>
             <a:fld id="{F12842E0-B5C4-4635-A59A-41F146C0A53F}" type="slidenum">
               <a:rPr lang="en-US" smtClean="0"/>
-              <a:t>‹#›</a:t>
             </a:fld>
             <a:endParaRPr lang="en-US"/>
           </a:p>
         </p:txBody>
       </p:sp>
     </p:spTree>
-    <p:extLst>
-      <p:ext uri="{BB962C8B-B14F-4D97-AF65-F5344CB8AC3E}">
-        <p14:creationId xmlns:p14="http://schemas.microsoft.com/office/powerpoint/2010/main" val="2403972913"/>
-      </p:ext>
-    </p:extLst>
   </p:cSld>
   <p:clrMapOvr>
     <a:masterClrMapping/>
@@ -1917,7 +1880,7 @@
           <a:bodyPr anchor="b"/>
           <a:lstStyle>
             <a:lvl1pPr>
-              <a:defRPr sz="4267"/>
+              <a:defRPr sz="4265"/>
             </a:lvl1pPr>
           </a:lstStyle>
           <a:p>
@@ -1949,31 +1912,31 @@
           <a:bodyPr/>
           <a:lstStyle>
             <a:lvl1pPr>
-              <a:defRPr sz="4267"/>
+              <a:defRPr sz="4265"/>
             </a:lvl1pPr>
             <a:lvl2pPr>
-              <a:defRPr sz="3733"/>
+              <a:defRPr sz="3735"/>
             </a:lvl2pPr>
             <a:lvl3pPr>
               <a:defRPr sz="3200"/>
             </a:lvl3pPr>
             <a:lvl4pPr>
-              <a:defRPr sz="2667"/>
+              <a:defRPr sz="2665"/>
             </a:lvl4pPr>
             <a:lvl5pPr>
-              <a:defRPr sz="2667"/>
+              <a:defRPr sz="2665"/>
             </a:lvl5pPr>
             <a:lvl6pPr>
-              <a:defRPr sz="2667"/>
+              <a:defRPr sz="2665"/>
             </a:lvl6pPr>
             <a:lvl7pPr>
-              <a:defRPr sz="2667"/>
+              <a:defRPr sz="2665"/>
             </a:lvl7pPr>
             <a:lvl8pPr>
-              <a:defRPr sz="2667"/>
+              <a:defRPr sz="2665"/>
             </a:lvl8pPr>
             <a:lvl9pPr>
-              <a:defRPr sz="2667"/>
+              <a:defRPr sz="2665"/>
             </a:lvl9pPr>
           </a:lstStyle>
           <a:p>
@@ -1982,6 +1945,7 @@
               <a:rPr lang="en-US"/>
               <a:t>Click to edit Master text styles</a:t>
             </a:r>
+            <a:endParaRPr lang="en-US"/>
           </a:p>
           <a:p>
             <a:pPr lvl="1"/>
@@ -1989,6 +1953,7 @@
               <a:rPr lang="en-US"/>
               <a:t>Second level</a:t>
             </a:r>
+            <a:endParaRPr lang="en-US"/>
           </a:p>
           <a:p>
             <a:pPr lvl="2"/>
@@ -1996,6 +1961,7 @@
               <a:rPr lang="en-US"/>
               <a:t>Third level</a:t>
             </a:r>
+            <a:endParaRPr lang="en-US"/>
           </a:p>
           <a:p>
             <a:pPr lvl="3"/>
@@ -2003,6 +1969,7 @@
               <a:rPr lang="en-US"/>
               <a:t>Fourth level</a:t>
             </a:r>
+            <a:endParaRPr lang="en-US"/>
           </a:p>
           <a:p>
             <a:pPr lvl="4"/>
@@ -2035,39 +2002,39 @@
           <a:lstStyle>
             <a:lvl1pPr marL="0" indent="0">
               <a:buNone/>
-              <a:defRPr sz="2133"/>
+              <a:defRPr sz="2135"/>
             </a:lvl1pPr>
-            <a:lvl2pPr marL="609585" indent="0">
+            <a:lvl2pPr marL="609600" indent="0">
               <a:buNone/>
-              <a:defRPr sz="1867"/>
+              <a:defRPr sz="1865"/>
             </a:lvl2pPr>
-            <a:lvl3pPr marL="1219170" indent="0">
+            <a:lvl3pPr marL="1219200" indent="0">
               <a:buNone/>
               <a:defRPr sz="1600"/>
             </a:lvl3pPr>
-            <a:lvl4pPr marL="1828754" indent="0">
+            <a:lvl4pPr marL="1828800" indent="0">
               <a:buNone/>
-              <a:defRPr sz="1333"/>
+              <a:defRPr sz="1335"/>
             </a:lvl4pPr>
-            <a:lvl5pPr marL="2438339" indent="0">
+            <a:lvl5pPr marL="2438400" indent="0">
               <a:buNone/>
-              <a:defRPr sz="1333"/>
+              <a:defRPr sz="1335"/>
             </a:lvl5pPr>
-            <a:lvl6pPr marL="3047924" indent="0">
+            <a:lvl6pPr marL="3048000" indent="0">
               <a:buNone/>
-              <a:defRPr sz="1333"/>
+              <a:defRPr sz="1335"/>
             </a:lvl6pPr>
-            <a:lvl7pPr marL="3657509" indent="0">
+            <a:lvl7pPr marL="3657600" indent="0">
               <a:buNone/>
-              <a:defRPr sz="1333"/>
+              <a:defRPr sz="1335"/>
             </a:lvl7pPr>
-            <a:lvl8pPr marL="4267093" indent="0">
+            <a:lvl8pPr marL="4267200" indent="0">
               <a:buNone/>
-              <a:defRPr sz="1333"/>
+              <a:defRPr sz="1335"/>
             </a:lvl8pPr>
-            <a:lvl9pPr marL="4876678" indent="0">
+            <a:lvl9pPr marL="4876800" indent="0">
               <a:buNone/>
-              <a:defRPr sz="1333"/>
+              <a:defRPr sz="1335"/>
             </a:lvl9pPr>
           </a:lstStyle>
           <a:p>
@@ -2076,6 +2043,7 @@
               <a:rPr lang="en-US"/>
               <a:t>Click to edit Master text styles</a:t>
             </a:r>
+            <a:endParaRPr lang="en-US"/>
           </a:p>
         </p:txBody>
       </p:sp>
@@ -2096,7 +2064,6 @@
           <a:p>
             <a:fld id="{5DDEE199-6157-4355-B66F-B6185FA4CEAC}" type="datetimeFigureOut">
               <a:rPr lang="en-US" smtClean="0"/>
-              <a:t>5/4/2022</a:t>
             </a:fld>
             <a:endParaRPr lang="en-US"/>
           </a:p>
@@ -2138,18 +2105,12 @@
           <a:p>
             <a:fld id="{F12842E0-B5C4-4635-A59A-41F146C0A53F}" type="slidenum">
               <a:rPr lang="en-US" smtClean="0"/>
-              <a:t>‹#›</a:t>
             </a:fld>
             <a:endParaRPr lang="en-US"/>
           </a:p>
         </p:txBody>
       </p:sp>
     </p:spTree>
-    <p:extLst>
-      <p:ext uri="{BB962C8B-B14F-4D97-AF65-F5344CB8AC3E}">
-        <p14:creationId xmlns:p14="http://schemas.microsoft.com/office/powerpoint/2010/main" val="3348311114"/>
-      </p:ext>
-    </p:extLst>
   </p:cSld>
   <p:clrMapOvr>
     <a:masterClrMapping/>
@@ -2194,7 +2155,7 @@
           <a:bodyPr anchor="b"/>
           <a:lstStyle>
             <a:lvl1pPr>
-              <a:defRPr sz="4267"/>
+              <a:defRPr sz="4265"/>
             </a:lvl1pPr>
           </a:lstStyle>
           <a:p>
@@ -2227,39 +2188,39 @@
           <a:lstStyle>
             <a:lvl1pPr marL="0" indent="0">
               <a:buNone/>
-              <a:defRPr sz="4267"/>
+              <a:defRPr sz="4265"/>
             </a:lvl1pPr>
-            <a:lvl2pPr marL="609585" indent="0">
+            <a:lvl2pPr marL="609600" indent="0">
               <a:buNone/>
-              <a:defRPr sz="3733"/>
+              <a:defRPr sz="3735"/>
             </a:lvl2pPr>
-            <a:lvl3pPr marL="1219170" indent="0">
+            <a:lvl3pPr marL="1219200" indent="0">
               <a:buNone/>
               <a:defRPr sz="3200"/>
             </a:lvl3pPr>
-            <a:lvl4pPr marL="1828754" indent="0">
+            <a:lvl4pPr marL="1828800" indent="0">
               <a:buNone/>
-              <a:defRPr sz="2667"/>
+              <a:defRPr sz="2665"/>
             </a:lvl4pPr>
-            <a:lvl5pPr marL="2438339" indent="0">
+            <a:lvl5pPr marL="2438400" indent="0">
               <a:buNone/>
-              <a:defRPr sz="2667"/>
+              <a:defRPr sz="2665"/>
             </a:lvl5pPr>
-            <a:lvl6pPr marL="3047924" indent="0">
+            <a:lvl6pPr marL="3048000" indent="0">
               <a:buNone/>
-              <a:defRPr sz="2667"/>
+              <a:defRPr sz="2665"/>
             </a:lvl6pPr>
-            <a:lvl7pPr marL="3657509" indent="0">
+            <a:lvl7pPr marL="3657600" indent="0">
               <a:buNone/>
-              <a:defRPr sz="2667"/>
+              <a:defRPr sz="2665"/>
             </a:lvl7pPr>
-            <a:lvl8pPr marL="4267093" indent="0">
+            <a:lvl8pPr marL="4267200" indent="0">
               <a:buNone/>
-              <a:defRPr sz="2667"/>
+              <a:defRPr sz="2665"/>
             </a:lvl8pPr>
-            <a:lvl9pPr marL="4876678" indent="0">
+            <a:lvl9pPr marL="4876800" indent="0">
               <a:buNone/>
-              <a:defRPr sz="2667"/>
+              <a:defRPr sz="2665"/>
             </a:lvl9pPr>
           </a:lstStyle>
           <a:p>
@@ -2292,39 +2253,39 @@
           <a:lstStyle>
             <a:lvl1pPr marL="0" indent="0">
               <a:buNone/>
-              <a:defRPr sz="2133"/>
+              <a:defRPr sz="2135"/>
             </a:lvl1pPr>
-            <a:lvl2pPr marL="609585" indent="0">
+            <a:lvl2pPr marL="609600" indent="0">
               <a:buNone/>
-              <a:defRPr sz="1867"/>
+              <a:defRPr sz="1865"/>
             </a:lvl2pPr>
-            <a:lvl3pPr marL="1219170" indent="0">
+            <a:lvl3pPr marL="1219200" indent="0">
               <a:buNone/>
               <a:defRPr sz="1600"/>
             </a:lvl3pPr>
-            <a:lvl4pPr marL="1828754" indent="0">
+            <a:lvl4pPr marL="1828800" indent="0">
               <a:buNone/>
-              <a:defRPr sz="1333"/>
+              <a:defRPr sz="1335"/>
             </a:lvl4pPr>
-            <a:lvl5pPr marL="2438339" indent="0">
+            <a:lvl5pPr marL="2438400" indent="0">
               <a:buNone/>
-              <a:defRPr sz="1333"/>
+              <a:defRPr sz="1335"/>
             </a:lvl5pPr>
-            <a:lvl6pPr marL="3047924" indent="0">
+            <a:lvl6pPr marL="3048000" indent="0">
               <a:buNone/>
-              <a:defRPr sz="1333"/>
+              <a:defRPr sz="1335"/>
             </a:lvl6pPr>
-            <a:lvl7pPr marL="3657509" indent="0">
+            <a:lvl7pPr marL="3657600" indent="0">
               <a:buNone/>
-              <a:defRPr sz="1333"/>
+              <a:defRPr sz="1335"/>
             </a:lvl7pPr>
-            <a:lvl8pPr marL="4267093" indent="0">
+            <a:lvl8pPr marL="4267200" indent="0">
               <a:buNone/>
-              <a:defRPr sz="1333"/>
+              <a:defRPr sz="1335"/>
             </a:lvl8pPr>
-            <a:lvl9pPr marL="4876678" indent="0">
+            <a:lvl9pPr marL="4876800" indent="0">
               <a:buNone/>
-              <a:defRPr sz="1333"/>
+              <a:defRPr sz="1335"/>
             </a:lvl9pPr>
           </a:lstStyle>
           <a:p>
@@ -2333,6 +2294,7 @@
               <a:rPr lang="en-US"/>
               <a:t>Click to edit Master text styles</a:t>
             </a:r>
+            <a:endParaRPr lang="en-US"/>
           </a:p>
         </p:txBody>
       </p:sp>
@@ -2353,7 +2315,6 @@
           <a:p>
             <a:fld id="{5DDEE199-6157-4355-B66F-B6185FA4CEAC}" type="datetimeFigureOut">
               <a:rPr lang="en-US" smtClean="0"/>
-              <a:t>5/4/2022</a:t>
             </a:fld>
             <a:endParaRPr lang="en-US"/>
           </a:p>
@@ -2395,18 +2356,12 @@
           <a:p>
             <a:fld id="{F12842E0-B5C4-4635-A59A-41F146C0A53F}" type="slidenum">
               <a:rPr lang="en-US" smtClean="0"/>
-              <a:t>‹#›</a:t>
             </a:fld>
             <a:endParaRPr lang="en-US"/>
           </a:p>
         </p:txBody>
       </p:sp>
     </p:spTree>
-    <p:extLst>
-      <p:ext uri="{BB962C8B-B14F-4D97-AF65-F5344CB8AC3E}">
-        <p14:creationId xmlns:p14="http://schemas.microsoft.com/office/powerpoint/2010/main" val="3515956795"/>
-      </p:ext>
-    </p:extLst>
   </p:cSld>
   <p:clrMapOvr>
     <a:masterClrMapping/>
@@ -2499,6 +2454,7 @@
               <a:rPr lang="en-US"/>
               <a:t>Click to edit Master text styles</a:t>
             </a:r>
+            <a:endParaRPr lang="en-US"/>
           </a:p>
           <a:p>
             <a:pPr lvl="1"/>
@@ -2506,6 +2462,7 @@
               <a:rPr lang="en-US"/>
               <a:t>Second level</a:t>
             </a:r>
+            <a:endParaRPr lang="en-US"/>
           </a:p>
           <a:p>
             <a:pPr lvl="2"/>
@@ -2513,6 +2470,7 @@
               <a:rPr lang="en-US"/>
               <a:t>Third level</a:t>
             </a:r>
+            <a:endParaRPr lang="en-US"/>
           </a:p>
           <a:p>
             <a:pPr lvl="3"/>
@@ -2520,6 +2478,7 @@
               <a:rPr lang="en-US"/>
               <a:t>Fourth level</a:t>
             </a:r>
+            <a:endParaRPr lang="en-US"/>
           </a:p>
           <a:p>
             <a:pPr lvl="4"/>
@@ -2566,7 +2525,6 @@
           <a:p>
             <a:fld id="{5DDEE199-6157-4355-B66F-B6185FA4CEAC}" type="datetimeFigureOut">
               <a:rPr lang="en-US" smtClean="0"/>
-              <a:t>5/4/2022</a:t>
             </a:fld>
             <a:endParaRPr lang="en-US"/>
           </a:p>
@@ -2644,36 +2602,30 @@
           <a:p>
             <a:fld id="{F12842E0-B5C4-4635-A59A-41F146C0A53F}" type="slidenum">
               <a:rPr lang="en-US" smtClean="0"/>
-              <a:t>‹#›</a:t>
             </a:fld>
             <a:endParaRPr lang="en-US"/>
           </a:p>
         </p:txBody>
       </p:sp>
     </p:spTree>
-    <p:extLst>
-      <p:ext uri="{BB962C8B-B14F-4D97-AF65-F5344CB8AC3E}">
-        <p14:creationId xmlns:p14="http://schemas.microsoft.com/office/powerpoint/2010/main" val="393299095"/>
-      </p:ext>
-    </p:extLst>
   </p:cSld>
   <p:clrMap bg1="lt1" tx1="dk1" bg2="lt2" tx2="dk2" accent1="accent1" accent2="accent2" accent3="accent3" accent4="accent4" accent5="accent5" accent6="accent6" hlink="hlink" folHlink="folHlink"/>
   <p:sldLayoutIdLst>
-    <p:sldLayoutId id="2147483709" r:id="rId1"/>
-    <p:sldLayoutId id="2147483710" r:id="rId2"/>
-    <p:sldLayoutId id="2147483711" r:id="rId3"/>
-    <p:sldLayoutId id="2147483712" r:id="rId4"/>
-    <p:sldLayoutId id="2147483713" r:id="rId5"/>
-    <p:sldLayoutId id="2147483714" r:id="rId6"/>
-    <p:sldLayoutId id="2147483715" r:id="rId7"/>
-    <p:sldLayoutId id="2147483716" r:id="rId8"/>
-    <p:sldLayoutId id="2147483717" r:id="rId9"/>
-    <p:sldLayoutId id="2147483718" r:id="rId10"/>
-    <p:sldLayoutId id="2147483719" r:id="rId11"/>
+    <p:sldLayoutId id="2147483649" r:id="rId1"/>
+    <p:sldLayoutId id="2147483650" r:id="rId2"/>
+    <p:sldLayoutId id="2147483651" r:id="rId3"/>
+    <p:sldLayoutId id="2147483652" r:id="rId4"/>
+    <p:sldLayoutId id="2147483653" r:id="rId5"/>
+    <p:sldLayoutId id="2147483654" r:id="rId6"/>
+    <p:sldLayoutId id="2147483655" r:id="rId7"/>
+    <p:sldLayoutId id="2147483656" r:id="rId8"/>
+    <p:sldLayoutId id="2147483657" r:id="rId9"/>
+    <p:sldLayoutId id="2147483658" r:id="rId10"/>
+    <p:sldLayoutId id="2147483659" r:id="rId11"/>
   </p:sldLayoutIdLst>
   <p:txStyles>
     <p:titleStyle>
-      <a:lvl1pPr algn="l" defTabSz="1219170" rtl="0" eaLnBrk="1" latinLnBrk="0" hangingPunct="1">
+      <a:lvl1pPr algn="l" defTabSz="1219200" rtl="0" eaLnBrk="1" latinLnBrk="0" hangingPunct="1">
         <a:lnSpc>
           <a:spcPct val="90000"/>
         </a:lnSpc>
@@ -2681,7 +2633,7 @@
           <a:spcPct val="0"/>
         </a:spcBef>
         <a:buNone/>
-        <a:defRPr sz="5867" kern="1200">
+        <a:defRPr sz="5865" kern="1200">
           <a:solidFill>
             <a:schemeClr val="tx1"/>
           </a:solidFill>
@@ -2692,16 +2644,16 @@
       </a:lvl1pPr>
     </p:titleStyle>
     <p:bodyStyle>
-      <a:lvl1pPr marL="304792" indent="-304792" algn="l" defTabSz="1219170" rtl="0" eaLnBrk="1" latinLnBrk="0" hangingPunct="1">
+      <a:lvl1pPr marL="304800" indent="-304800" algn="l" defTabSz="1219200" rtl="0" eaLnBrk="1" latinLnBrk="0" hangingPunct="1">
         <a:lnSpc>
           <a:spcPct val="90000"/>
         </a:lnSpc>
         <a:spcBef>
-          <a:spcPts val="1333"/>
+          <a:spcPts val="1335"/>
         </a:spcBef>
         <a:buFont typeface="Arial" panose="020B0604020202020204" pitchFamily="34" charset="0"/>
         <a:buChar char="•"/>
-        <a:defRPr sz="3733" kern="1200">
+        <a:defRPr sz="3735" kern="1200">
           <a:solidFill>
             <a:schemeClr val="tx1"/>
           </a:solidFill>
@@ -2710,12 +2662,12 @@
           <a:cs typeface="+mn-cs"/>
         </a:defRPr>
       </a:lvl1pPr>
-      <a:lvl2pPr marL="914377" indent="-304792" algn="l" defTabSz="1219170" rtl="0" eaLnBrk="1" latinLnBrk="0" hangingPunct="1">
+      <a:lvl2pPr marL="914400" indent="-304800" algn="l" defTabSz="1219200" rtl="0" eaLnBrk="1" latinLnBrk="0" hangingPunct="1">
         <a:lnSpc>
           <a:spcPct val="90000"/>
         </a:lnSpc>
         <a:spcBef>
-          <a:spcPts val="667"/>
+          <a:spcPts val="665"/>
         </a:spcBef>
         <a:buFont typeface="Arial" panose="020B0604020202020204" pitchFamily="34" charset="0"/>
         <a:buChar char="•"/>
@@ -2728,16 +2680,16 @@
           <a:cs typeface="+mn-cs"/>
         </a:defRPr>
       </a:lvl2pPr>
-      <a:lvl3pPr marL="1523962" indent="-304792" algn="l" defTabSz="1219170" rtl="0" eaLnBrk="1" latinLnBrk="0" hangingPunct="1">
+      <a:lvl3pPr marL="1524000" indent="-304800" algn="l" defTabSz="1219200" rtl="0" eaLnBrk="1" latinLnBrk="0" hangingPunct="1">
         <a:lnSpc>
           <a:spcPct val="90000"/>
         </a:lnSpc>
         <a:spcBef>
-          <a:spcPts val="667"/>
+          <a:spcPts val="665"/>
         </a:spcBef>
         <a:buFont typeface="Arial" panose="020B0604020202020204" pitchFamily="34" charset="0"/>
         <a:buChar char="•"/>
-        <a:defRPr sz="2667" kern="1200">
+        <a:defRPr sz="2665" kern="1200">
           <a:solidFill>
             <a:schemeClr val="tx1"/>
           </a:solidFill>
@@ -2746,12 +2698,12 @@
           <a:cs typeface="+mn-cs"/>
         </a:defRPr>
       </a:lvl3pPr>
-      <a:lvl4pPr marL="2133547" indent="-304792" algn="l" defTabSz="1219170" rtl="0" eaLnBrk="1" latinLnBrk="0" hangingPunct="1">
+      <a:lvl4pPr marL="2133600" indent="-304800" algn="l" defTabSz="1219200" rtl="0" eaLnBrk="1" latinLnBrk="0" hangingPunct="1">
         <a:lnSpc>
           <a:spcPct val="90000"/>
         </a:lnSpc>
         <a:spcBef>
-          <a:spcPts val="667"/>
+          <a:spcPts val="665"/>
         </a:spcBef>
         <a:buFont typeface="Arial" panose="020B0604020202020204" pitchFamily="34" charset="0"/>
         <a:buChar char="•"/>
@@ -2764,12 +2716,12 @@
           <a:cs typeface="+mn-cs"/>
         </a:defRPr>
       </a:lvl4pPr>
-      <a:lvl5pPr marL="2743131" indent="-304792" algn="l" defTabSz="1219170" rtl="0" eaLnBrk="1" latinLnBrk="0" hangingPunct="1">
+      <a:lvl5pPr marL="2743200" indent="-304800" algn="l" defTabSz="1219200" rtl="0" eaLnBrk="1" latinLnBrk="0" hangingPunct="1">
         <a:lnSpc>
           <a:spcPct val="90000"/>
         </a:lnSpc>
         <a:spcBef>
-          <a:spcPts val="667"/>
+          <a:spcPts val="665"/>
         </a:spcBef>
         <a:buFont typeface="Arial" panose="020B0604020202020204" pitchFamily="34" charset="0"/>
         <a:buChar char="•"/>
@@ -2782,12 +2734,12 @@
           <a:cs typeface="+mn-cs"/>
         </a:defRPr>
       </a:lvl5pPr>
-      <a:lvl6pPr marL="3352716" indent="-304792" algn="l" defTabSz="1219170" rtl="0" eaLnBrk="1" latinLnBrk="0" hangingPunct="1">
+      <a:lvl6pPr marL="3352800" indent="-304800" algn="l" defTabSz="1219200" rtl="0" eaLnBrk="1" latinLnBrk="0" hangingPunct="1">
         <a:lnSpc>
           <a:spcPct val="90000"/>
         </a:lnSpc>
         <a:spcBef>
-          <a:spcPts val="667"/>
+          <a:spcPts val="665"/>
         </a:spcBef>
         <a:buFont typeface="Arial" panose="020B0604020202020204" pitchFamily="34" charset="0"/>
         <a:buChar char="•"/>
@@ -2800,12 +2752,12 @@
           <a:cs typeface="+mn-cs"/>
         </a:defRPr>
       </a:lvl6pPr>
-      <a:lvl7pPr marL="3962301" indent="-304792" algn="l" defTabSz="1219170" rtl="0" eaLnBrk="1" latinLnBrk="0" hangingPunct="1">
+      <a:lvl7pPr marL="3962400" indent="-304800" algn="l" defTabSz="1219200" rtl="0" eaLnBrk="1" latinLnBrk="0" hangingPunct="1">
         <a:lnSpc>
           <a:spcPct val="90000"/>
         </a:lnSpc>
         <a:spcBef>
-          <a:spcPts val="667"/>
+          <a:spcPts val="665"/>
         </a:spcBef>
         <a:buFont typeface="Arial" panose="020B0604020202020204" pitchFamily="34" charset="0"/>
         <a:buChar char="•"/>
@@ -2818,12 +2770,12 @@
           <a:cs typeface="+mn-cs"/>
         </a:defRPr>
       </a:lvl7pPr>
-      <a:lvl8pPr marL="4571886" indent="-304792" algn="l" defTabSz="1219170" rtl="0" eaLnBrk="1" latinLnBrk="0" hangingPunct="1">
+      <a:lvl8pPr marL="4572000" indent="-304800" algn="l" defTabSz="1219200" rtl="0" eaLnBrk="1" latinLnBrk="0" hangingPunct="1">
         <a:lnSpc>
           <a:spcPct val="90000"/>
         </a:lnSpc>
         <a:spcBef>
-          <a:spcPts val="667"/>
+          <a:spcPts val="665"/>
         </a:spcBef>
         <a:buFont typeface="Arial" panose="020B0604020202020204" pitchFamily="34" charset="0"/>
         <a:buChar char="•"/>
@@ -2836,12 +2788,12 @@
           <a:cs typeface="+mn-cs"/>
         </a:defRPr>
       </a:lvl8pPr>
-      <a:lvl9pPr marL="5181470" indent="-304792" algn="l" defTabSz="1219170" rtl="0" eaLnBrk="1" latinLnBrk="0" hangingPunct="1">
+      <a:lvl9pPr marL="5181600" indent="-304800" algn="l" defTabSz="1219200" rtl="0" eaLnBrk="1" latinLnBrk="0" hangingPunct="1">
         <a:lnSpc>
           <a:spcPct val="90000"/>
         </a:lnSpc>
         <a:spcBef>
-          <a:spcPts val="667"/>
+          <a:spcPts val="665"/>
         </a:spcBef>
         <a:buFont typeface="Arial" panose="020B0604020202020204" pitchFamily="34" charset="0"/>
         <a:buChar char="•"/>
@@ -2859,7 +2811,7 @@
       <a:defPPr>
         <a:defRPr lang="en-US"/>
       </a:defPPr>
-      <a:lvl1pPr marL="0" algn="l" defTabSz="1219170" rtl="0" eaLnBrk="1" latinLnBrk="0" hangingPunct="1">
+      <a:lvl1pPr marL="0" algn="l" defTabSz="1219200" rtl="0" eaLnBrk="1" latinLnBrk="0" hangingPunct="1">
         <a:defRPr sz="2400" kern="1200">
           <a:solidFill>
             <a:schemeClr val="tx1"/>
@@ -2869,7 +2821,7 @@
           <a:cs typeface="+mn-cs"/>
         </a:defRPr>
       </a:lvl1pPr>
-      <a:lvl2pPr marL="609585" algn="l" defTabSz="1219170" rtl="0" eaLnBrk="1" latinLnBrk="0" hangingPunct="1">
+      <a:lvl2pPr marL="609600" algn="l" defTabSz="1219200" rtl="0" eaLnBrk="1" latinLnBrk="0" hangingPunct="1">
         <a:defRPr sz="2400" kern="1200">
           <a:solidFill>
             <a:schemeClr val="tx1"/>
@@ -2879,7 +2831,7 @@
           <a:cs typeface="+mn-cs"/>
         </a:defRPr>
       </a:lvl2pPr>
-      <a:lvl3pPr marL="1219170" algn="l" defTabSz="1219170" rtl="0" eaLnBrk="1" latinLnBrk="0" hangingPunct="1">
+      <a:lvl3pPr marL="1219200" algn="l" defTabSz="1219200" rtl="0" eaLnBrk="1" latinLnBrk="0" hangingPunct="1">
         <a:defRPr sz="2400" kern="1200">
           <a:solidFill>
             <a:schemeClr val="tx1"/>
@@ -2889,7 +2841,7 @@
           <a:cs typeface="+mn-cs"/>
         </a:defRPr>
       </a:lvl3pPr>
-      <a:lvl4pPr marL="1828754" algn="l" defTabSz="1219170" rtl="0" eaLnBrk="1" latinLnBrk="0" hangingPunct="1">
+      <a:lvl4pPr marL="1828800" algn="l" defTabSz="1219200" rtl="0" eaLnBrk="1" latinLnBrk="0" hangingPunct="1">
         <a:defRPr sz="2400" kern="1200">
           <a:solidFill>
             <a:schemeClr val="tx1"/>
@@ -2899,7 +2851,7 @@
           <a:cs typeface="+mn-cs"/>
         </a:defRPr>
       </a:lvl4pPr>
-      <a:lvl5pPr marL="2438339" algn="l" defTabSz="1219170" rtl="0" eaLnBrk="1" latinLnBrk="0" hangingPunct="1">
+      <a:lvl5pPr marL="2438400" algn="l" defTabSz="1219200" rtl="0" eaLnBrk="1" latinLnBrk="0" hangingPunct="1">
         <a:defRPr sz="2400" kern="1200">
           <a:solidFill>
             <a:schemeClr val="tx1"/>
@@ -2909,7 +2861,7 @@
           <a:cs typeface="+mn-cs"/>
         </a:defRPr>
       </a:lvl5pPr>
-      <a:lvl6pPr marL="3047924" algn="l" defTabSz="1219170" rtl="0" eaLnBrk="1" latinLnBrk="0" hangingPunct="1">
+      <a:lvl6pPr marL="3048000" algn="l" defTabSz="1219200" rtl="0" eaLnBrk="1" latinLnBrk="0" hangingPunct="1">
         <a:defRPr sz="2400" kern="1200">
           <a:solidFill>
             <a:schemeClr val="tx1"/>
@@ -2919,7 +2871,7 @@
           <a:cs typeface="+mn-cs"/>
         </a:defRPr>
       </a:lvl6pPr>
-      <a:lvl7pPr marL="3657509" algn="l" defTabSz="1219170" rtl="0" eaLnBrk="1" latinLnBrk="0" hangingPunct="1">
+      <a:lvl7pPr marL="3657600" algn="l" defTabSz="1219200" rtl="0" eaLnBrk="1" latinLnBrk="0" hangingPunct="1">
         <a:defRPr sz="2400" kern="1200">
           <a:solidFill>
             <a:schemeClr val="tx1"/>
@@ -2929,7 +2881,7 @@
           <a:cs typeface="+mn-cs"/>
         </a:defRPr>
       </a:lvl7pPr>
-      <a:lvl8pPr marL="4267093" algn="l" defTabSz="1219170" rtl="0" eaLnBrk="1" latinLnBrk="0" hangingPunct="1">
+      <a:lvl8pPr marL="4267200" algn="l" defTabSz="1219200" rtl="0" eaLnBrk="1" latinLnBrk="0" hangingPunct="1">
         <a:defRPr sz="2400" kern="1200">
           <a:solidFill>
             <a:schemeClr val="tx1"/>
@@ -2939,7 +2891,7 @@
           <a:cs typeface="+mn-cs"/>
         </a:defRPr>
       </a:lvl8pPr>
-      <a:lvl9pPr marL="4876678" algn="l" defTabSz="1219170" rtl="0" eaLnBrk="1" latinLnBrk="0" hangingPunct="1">
+      <a:lvl9pPr marL="4876800" algn="l" defTabSz="1219200" rtl="0" eaLnBrk="1" latinLnBrk="0" hangingPunct="1">
         <a:defRPr sz="2400" kern="1200">
           <a:solidFill>
             <a:schemeClr val="tx1"/>
@@ -2973,13 +2925,7 @@
       </p:grpSpPr>
       <p:sp>
         <p:nvSpPr>
-          <p:cNvPr id="4" name="Rectangle 3">
-            <a:extLst>
-              <a:ext uri="{FF2B5EF4-FFF2-40B4-BE49-F238E27FC236}">
-                <a16:creationId xmlns:a16="http://schemas.microsoft.com/office/drawing/2014/main" id="{9E9E5DC7-F9E1-4731-9F79-B26684C9786B}"/>
-              </a:ext>
-            </a:extLst>
-          </p:cNvPr>
+          <p:cNvPr id="4" name="Rectangle 3"/>
           <p:cNvSpPr/>
           <p:nvPr/>
         </p:nvSpPr>
@@ -3046,13 +2992,7 @@
       </p:sp>
       <p:sp>
         <p:nvSpPr>
-          <p:cNvPr id="6" name="Rectangle 5">
-            <a:extLst>
-              <a:ext uri="{FF2B5EF4-FFF2-40B4-BE49-F238E27FC236}">
-                <a16:creationId xmlns:a16="http://schemas.microsoft.com/office/drawing/2014/main" id="{E9F21989-434F-45EB-B92A-D75B1C4C0824}"/>
-              </a:ext>
-            </a:extLst>
-          </p:cNvPr>
+          <p:cNvPr id="6" name="Rectangle 5"/>
           <p:cNvSpPr/>
           <p:nvPr/>
         </p:nvSpPr>
@@ -3098,7 +3038,7 @@
           <a:p>
             <a:pPr algn="ctr"/>
             <a:r>
-              <a:rPr lang="en-US" sz="1629" dirty="0">
+              <a:rPr lang="en-US" sz="1630" dirty="0">
                 <a:solidFill>
                   <a:schemeClr val="accent2">
                     <a:lumMod val="75000"/>
@@ -3107,18 +3047,19 @@
               </a:rPr>
               <a:t>Image generator AI</a:t>
             </a:r>
-          </a:p>
-        </p:txBody>
-      </p:sp>
-      <p:sp>
-        <p:nvSpPr>
-          <p:cNvPr id="7" name="Rectangle 6">
-            <a:extLst>
-              <a:ext uri="{FF2B5EF4-FFF2-40B4-BE49-F238E27FC236}">
-                <a16:creationId xmlns:a16="http://schemas.microsoft.com/office/drawing/2014/main" id="{8E969BBA-D82D-4B4A-9413-675E7628DA12}"/>
-              </a:ext>
-            </a:extLst>
-          </p:cNvPr>
+            <a:endParaRPr lang="en-US" sz="1630" dirty="0">
+              <a:solidFill>
+                <a:schemeClr val="accent2">
+                  <a:lumMod val="75000"/>
+                </a:schemeClr>
+              </a:solidFill>
+            </a:endParaRPr>
+          </a:p>
+        </p:txBody>
+      </p:sp>
+      <p:sp>
+        <p:nvSpPr>
+          <p:cNvPr id="7" name="Rectangle 6"/>
           <p:cNvSpPr/>
           <p:nvPr/>
         </p:nvSpPr>
@@ -3164,7 +3105,7 @@
           <a:p>
             <a:pPr algn="ctr"/>
             <a:r>
-              <a:rPr lang="en-US" sz="1221" dirty="0">
+              <a:rPr lang="en-US" sz="1220" dirty="0">
                 <a:solidFill>
                   <a:schemeClr val="accent2">
                     <a:lumMod val="75000"/>
@@ -3173,18 +3114,19 @@
               </a:rPr>
               <a:t>Recommendation</a:t>
             </a:r>
-          </a:p>
-        </p:txBody>
-      </p:sp>
-      <p:sp>
-        <p:nvSpPr>
-          <p:cNvPr id="8" name="Rectangle 7">
-            <a:extLst>
-              <a:ext uri="{FF2B5EF4-FFF2-40B4-BE49-F238E27FC236}">
-                <a16:creationId xmlns:a16="http://schemas.microsoft.com/office/drawing/2014/main" id="{A450876D-627A-4D21-B177-DC9B5ABF22A7}"/>
-              </a:ext>
-            </a:extLst>
-          </p:cNvPr>
+            <a:endParaRPr lang="en-US" sz="1220" dirty="0">
+              <a:solidFill>
+                <a:schemeClr val="accent2">
+                  <a:lumMod val="75000"/>
+                </a:schemeClr>
+              </a:solidFill>
+            </a:endParaRPr>
+          </a:p>
+        </p:txBody>
+      </p:sp>
+      <p:sp>
+        <p:nvSpPr>
+          <p:cNvPr id="8" name="Rectangle 7"/>
           <p:cNvSpPr/>
           <p:nvPr/>
         </p:nvSpPr>
@@ -3239,18 +3181,19 @@
               </a:rPr>
               <a:t>Library</a:t>
             </a:r>
-          </a:p>
-        </p:txBody>
-      </p:sp>
-      <p:sp>
-        <p:nvSpPr>
-          <p:cNvPr id="9" name="Rectangle 8">
-            <a:extLst>
-              <a:ext uri="{FF2B5EF4-FFF2-40B4-BE49-F238E27FC236}">
-                <a16:creationId xmlns:a16="http://schemas.microsoft.com/office/drawing/2014/main" id="{8A2746A1-A08B-4A53-A5E7-8FA183A4A159}"/>
-              </a:ext>
-            </a:extLst>
-          </p:cNvPr>
+            <a:endParaRPr lang="en-US" sz="1900" dirty="0">
+              <a:solidFill>
+                <a:schemeClr val="accent2">
+                  <a:lumMod val="75000"/>
+                </a:schemeClr>
+              </a:solidFill>
+            </a:endParaRPr>
+          </a:p>
+        </p:txBody>
+      </p:sp>
+      <p:sp>
+        <p:nvSpPr>
+          <p:cNvPr id="9" name="Rectangle 8"/>
           <p:cNvSpPr/>
           <p:nvPr/>
         </p:nvSpPr>
@@ -3305,18 +3248,19 @@
               </a:rPr>
               <a:t>Wallpaper events</a:t>
             </a:r>
-          </a:p>
-        </p:txBody>
-      </p:sp>
-      <p:sp>
-        <p:nvSpPr>
-          <p:cNvPr id="10" name="Rectangle 9">
-            <a:extLst>
-              <a:ext uri="{FF2B5EF4-FFF2-40B4-BE49-F238E27FC236}">
-                <a16:creationId xmlns:a16="http://schemas.microsoft.com/office/drawing/2014/main" id="{56B24A64-C6DA-4094-A262-8E19DC40BC13}"/>
-              </a:ext>
-            </a:extLst>
-          </p:cNvPr>
+            <a:endParaRPr lang="en-US" sz="1900" dirty="0">
+              <a:solidFill>
+                <a:schemeClr val="accent2">
+                  <a:lumMod val="75000"/>
+                </a:schemeClr>
+              </a:solidFill>
+            </a:endParaRPr>
+          </a:p>
+        </p:txBody>
+      </p:sp>
+      <p:sp>
+        <p:nvSpPr>
+          <p:cNvPr id="10" name="Rectangle 9"/>
           <p:cNvSpPr/>
           <p:nvPr/>
         </p:nvSpPr>
@@ -3362,7 +3306,7 @@
           <a:p>
             <a:pPr algn="ctr"/>
             <a:r>
-              <a:rPr lang="en-US" sz="1629" dirty="0">
+              <a:rPr lang="en-US" sz="1630" dirty="0">
                 <a:solidFill>
                   <a:schemeClr val="accent2">
                     <a:lumMod val="75000"/>
@@ -3371,18 +3315,19 @@
               </a:rPr>
               <a:t>Dynamic wallpaper changer</a:t>
             </a:r>
-          </a:p>
-        </p:txBody>
-      </p:sp>
-      <p:sp>
-        <p:nvSpPr>
-          <p:cNvPr id="11" name="Rectangle 10">
-            <a:extLst>
-              <a:ext uri="{FF2B5EF4-FFF2-40B4-BE49-F238E27FC236}">
-                <a16:creationId xmlns:a16="http://schemas.microsoft.com/office/drawing/2014/main" id="{280971EC-CD71-4136-AFC1-DF643155AA87}"/>
-              </a:ext>
-            </a:extLst>
-          </p:cNvPr>
+            <a:endParaRPr lang="en-US" sz="1630" dirty="0">
+              <a:solidFill>
+                <a:schemeClr val="accent2">
+                  <a:lumMod val="75000"/>
+                </a:schemeClr>
+              </a:solidFill>
+            </a:endParaRPr>
+          </a:p>
+        </p:txBody>
+      </p:sp>
+      <p:sp>
+        <p:nvSpPr>
+          <p:cNvPr id="11" name="Rectangle 10"/>
           <p:cNvSpPr/>
           <p:nvPr/>
         </p:nvSpPr>
@@ -3437,18 +3382,19 @@
               </a:rPr>
               <a:t>Moderator</a:t>
             </a:r>
-          </a:p>
-        </p:txBody>
-      </p:sp>
-      <p:sp>
-        <p:nvSpPr>
-          <p:cNvPr id="12" name="Rectangle 11">
-            <a:extLst>
-              <a:ext uri="{FF2B5EF4-FFF2-40B4-BE49-F238E27FC236}">
-                <a16:creationId xmlns:a16="http://schemas.microsoft.com/office/drawing/2014/main" id="{65BF765D-0BAD-4EBA-8B1A-2FC1935E7A68}"/>
-              </a:ext>
-            </a:extLst>
-          </p:cNvPr>
+            <a:endParaRPr lang="en-US" sz="1900" dirty="0">
+              <a:solidFill>
+                <a:schemeClr val="accent2">
+                  <a:lumMod val="75000"/>
+                </a:schemeClr>
+              </a:solidFill>
+            </a:endParaRPr>
+          </a:p>
+        </p:txBody>
+      </p:sp>
+      <p:sp>
+        <p:nvSpPr>
+          <p:cNvPr id="12" name="Rectangle 11"/>
           <p:cNvSpPr/>
           <p:nvPr/>
         </p:nvSpPr>
@@ -3494,7 +3440,7 @@
           <a:p>
             <a:pPr algn="ctr"/>
             <a:r>
-              <a:rPr lang="en-US" sz="1358" dirty="0">
+              <a:rPr lang="en-US" sz="1360" dirty="0">
                 <a:solidFill>
                   <a:schemeClr val="accent2">
                     <a:lumMod val="75000"/>
@@ -3504,7 +3450,7 @@
               <a:t>User preference model </a:t>
             </a:r>
             <a:r>
-              <a:rPr lang="el-GR" sz="1358" dirty="0">
+              <a:rPr lang="el-GR" sz="1360" dirty="0">
                 <a:solidFill>
                   <a:schemeClr val="accent2">
                     <a:lumMod val="75000"/>
@@ -3514,7 +3460,7 @@
               <a:t>για </a:t>
             </a:r>
             <a:r>
-              <a:rPr lang="en-US" sz="1358" dirty="0">
+              <a:rPr lang="en-US" sz="1360" dirty="0">
                 <a:solidFill>
                   <a:schemeClr val="accent2">
                     <a:lumMod val="75000"/>
@@ -3523,18 +3469,19 @@
               </a:rPr>
               <a:t>AI creator</a:t>
             </a:r>
-          </a:p>
-        </p:txBody>
-      </p:sp>
-      <p:sp>
-        <p:nvSpPr>
-          <p:cNvPr id="13" name="Rectangle 12">
-            <a:extLst>
-              <a:ext uri="{FF2B5EF4-FFF2-40B4-BE49-F238E27FC236}">
-                <a16:creationId xmlns:a16="http://schemas.microsoft.com/office/drawing/2014/main" id="{573D3659-AA0D-4463-83B0-FF5C93B0C7D2}"/>
-              </a:ext>
-            </a:extLst>
-          </p:cNvPr>
+            <a:endParaRPr lang="en-US" sz="1360" dirty="0">
+              <a:solidFill>
+                <a:schemeClr val="accent2">
+                  <a:lumMod val="75000"/>
+                </a:schemeClr>
+              </a:solidFill>
+            </a:endParaRPr>
+          </a:p>
+        </p:txBody>
+      </p:sp>
+      <p:sp>
+        <p:nvSpPr>
+          <p:cNvPr id="13" name="Rectangle 12"/>
           <p:cNvSpPr/>
           <p:nvPr/>
         </p:nvSpPr>
@@ -3589,18 +3536,19 @@
               </a:rPr>
               <a:t>Cloud</a:t>
             </a:r>
-          </a:p>
-        </p:txBody>
-      </p:sp>
-      <p:sp>
-        <p:nvSpPr>
-          <p:cNvPr id="14" name="Rectangle 13">
-            <a:extLst>
-              <a:ext uri="{FF2B5EF4-FFF2-40B4-BE49-F238E27FC236}">
-                <a16:creationId xmlns:a16="http://schemas.microsoft.com/office/drawing/2014/main" id="{3FF20730-6CEF-425C-B61A-F01993023F34}"/>
-              </a:ext>
-            </a:extLst>
-          </p:cNvPr>
+            <a:endParaRPr lang="en-US" sz="1900" dirty="0">
+              <a:solidFill>
+                <a:schemeClr val="accent2">
+                  <a:lumMod val="75000"/>
+                </a:schemeClr>
+              </a:solidFill>
+            </a:endParaRPr>
+          </a:p>
+        </p:txBody>
+      </p:sp>
+      <p:sp>
+        <p:nvSpPr>
+          <p:cNvPr id="14" name="Rectangle 13"/>
           <p:cNvSpPr/>
           <p:nvPr/>
         </p:nvSpPr>
@@ -3655,18 +3603,19 @@
               </a:rPr>
               <a:t>E-Support ticket</a:t>
             </a:r>
-          </a:p>
-        </p:txBody>
-      </p:sp>
-      <p:sp>
-        <p:nvSpPr>
-          <p:cNvPr id="16" name="Rectangle 15">
-            <a:extLst>
-              <a:ext uri="{FF2B5EF4-FFF2-40B4-BE49-F238E27FC236}">
-                <a16:creationId xmlns:a16="http://schemas.microsoft.com/office/drawing/2014/main" id="{CA9BEB98-3087-404C-B01F-C7EE819C49E7}"/>
-              </a:ext>
-            </a:extLst>
-          </p:cNvPr>
+            <a:endParaRPr lang="en-US" sz="1900" dirty="0">
+              <a:solidFill>
+                <a:schemeClr val="accent2">
+                  <a:lumMod val="75000"/>
+                </a:schemeClr>
+              </a:solidFill>
+            </a:endParaRPr>
+          </a:p>
+        </p:txBody>
+      </p:sp>
+      <p:sp>
+        <p:nvSpPr>
+          <p:cNvPr id="16" name="Rectangle 15"/>
           <p:cNvSpPr/>
           <p:nvPr/>
         </p:nvSpPr>
@@ -3721,18 +3670,19 @@
               </a:rPr>
               <a:t>Wallpaper</a:t>
             </a:r>
-          </a:p>
-        </p:txBody>
-      </p:sp>
-      <p:sp>
-        <p:nvSpPr>
-          <p:cNvPr id="17" name="Rectangle 16">
-            <a:extLst>
-              <a:ext uri="{FF2B5EF4-FFF2-40B4-BE49-F238E27FC236}">
-                <a16:creationId xmlns:a16="http://schemas.microsoft.com/office/drawing/2014/main" id="{39CFF21A-9D98-491B-A05D-32DAEA64ADB4}"/>
-              </a:ext>
-            </a:extLst>
-          </p:cNvPr>
+            <a:endParaRPr lang="en-US" sz="1900" dirty="0">
+              <a:solidFill>
+                <a:schemeClr val="accent2">
+                  <a:lumMod val="75000"/>
+                </a:schemeClr>
+              </a:solidFill>
+            </a:endParaRPr>
+          </a:p>
+        </p:txBody>
+      </p:sp>
+      <p:sp>
+        <p:nvSpPr>
+          <p:cNvPr id="17" name="Rectangle 16"/>
           <p:cNvSpPr/>
           <p:nvPr/>
         </p:nvSpPr>
@@ -3778,7 +3728,7 @@
           <a:p>
             <a:pPr algn="ctr"/>
             <a:r>
-              <a:rPr lang="el-GR" sz="1629" dirty="0">
+              <a:rPr lang="el-GR" sz="1630" dirty="0">
                 <a:solidFill>
                   <a:schemeClr val="accent2">
                     <a:lumMod val="75000"/>
@@ -3787,7 +3737,7 @@
               </a:rPr>
               <a:t>Συσκευή για συγχρονισμό</a:t>
             </a:r>
-            <a:endParaRPr lang="en-US" sz="1629" dirty="0">
+            <a:endParaRPr lang="en-US" sz="1630" dirty="0">
               <a:solidFill>
                 <a:schemeClr val="accent2">
                   <a:lumMod val="75000"/>
@@ -3799,13 +3749,7 @@
       </p:sp>
       <p:sp>
         <p:nvSpPr>
-          <p:cNvPr id="18" name="Rectangle 17">
-            <a:extLst>
-              <a:ext uri="{FF2B5EF4-FFF2-40B4-BE49-F238E27FC236}">
-                <a16:creationId xmlns:a16="http://schemas.microsoft.com/office/drawing/2014/main" id="{A9C0FCEE-532D-44CB-8678-3D6AF4868CA7}"/>
-              </a:ext>
-            </a:extLst>
-          </p:cNvPr>
+          <p:cNvPr id="18" name="Rectangle 17"/>
           <p:cNvSpPr/>
           <p:nvPr/>
         </p:nvSpPr>
@@ -3872,13 +3816,7 @@
       </p:sp>
       <p:sp>
         <p:nvSpPr>
-          <p:cNvPr id="19" name="Rectangle 18">
-            <a:extLst>
-              <a:ext uri="{FF2B5EF4-FFF2-40B4-BE49-F238E27FC236}">
-                <a16:creationId xmlns:a16="http://schemas.microsoft.com/office/drawing/2014/main" id="{1D7A9A9D-297E-421D-A7D9-B7126F697DAE}"/>
-              </a:ext>
-            </a:extLst>
-          </p:cNvPr>
+          <p:cNvPr id="19" name="Rectangle 18"/>
           <p:cNvSpPr/>
           <p:nvPr/>
         </p:nvSpPr>
@@ -3945,13 +3883,7 @@
       </p:sp>
       <p:sp>
         <p:nvSpPr>
-          <p:cNvPr id="20" name="Rectangle 19">
-            <a:extLst>
-              <a:ext uri="{FF2B5EF4-FFF2-40B4-BE49-F238E27FC236}">
-                <a16:creationId xmlns:a16="http://schemas.microsoft.com/office/drawing/2014/main" id="{600E0561-F645-444D-91AB-6ED892FB3E54}"/>
-              </a:ext>
-            </a:extLst>
-          </p:cNvPr>
+          <p:cNvPr id="20" name="Rectangle 19"/>
           <p:cNvSpPr/>
           <p:nvPr/>
         </p:nvSpPr>
@@ -4018,13 +3950,7 @@
       </p:sp>
       <p:cxnSp>
         <p:nvCxnSpPr>
-          <p:cNvPr id="34" name="Straight Connector 33">
-            <a:extLst>
-              <a:ext uri="{FF2B5EF4-FFF2-40B4-BE49-F238E27FC236}">
-                <a16:creationId xmlns:a16="http://schemas.microsoft.com/office/drawing/2014/main" id="{36403BE7-E271-4F25-9778-E241C946F07A}"/>
-              </a:ext>
-            </a:extLst>
-          </p:cNvPr>
+          <p:cNvPr id="34" name="Straight Connector 33"/>
           <p:cNvCxnSpPr>
             <a:stCxn id="4" idx="1"/>
             <a:endCxn id="20" idx="3"/>
@@ -4057,13 +3983,7 @@
       </p:cxnSp>
       <p:cxnSp>
         <p:nvCxnSpPr>
-          <p:cNvPr id="37" name="Straight Connector 36">
-            <a:extLst>
-              <a:ext uri="{FF2B5EF4-FFF2-40B4-BE49-F238E27FC236}">
-                <a16:creationId xmlns:a16="http://schemas.microsoft.com/office/drawing/2014/main" id="{8499899F-211B-4680-BD72-80DCD981F6B5}"/>
-              </a:ext>
-            </a:extLst>
-          </p:cNvPr>
+          <p:cNvPr id="37" name="Straight Connector 36"/>
           <p:cNvCxnSpPr>
             <a:stCxn id="20" idx="2"/>
             <a:endCxn id="17" idx="0"/>
@@ -4096,13 +4016,7 @@
       </p:cxnSp>
       <p:cxnSp>
         <p:nvCxnSpPr>
-          <p:cNvPr id="40" name="Straight Connector 39">
-            <a:extLst>
-              <a:ext uri="{FF2B5EF4-FFF2-40B4-BE49-F238E27FC236}">
-                <a16:creationId xmlns:a16="http://schemas.microsoft.com/office/drawing/2014/main" id="{D2960E04-AB06-4035-9CE2-67DE23F61460}"/>
-              </a:ext>
-            </a:extLst>
-          </p:cNvPr>
+          <p:cNvPr id="40" name="Straight Connector 39"/>
           <p:cNvCxnSpPr>
             <a:stCxn id="4" idx="2"/>
             <a:endCxn id="8" idx="0"/>
@@ -4135,13 +4049,7 @@
       </p:cxnSp>
       <p:cxnSp>
         <p:nvCxnSpPr>
-          <p:cNvPr id="42" name="Straight Connector 41">
-            <a:extLst>
-              <a:ext uri="{FF2B5EF4-FFF2-40B4-BE49-F238E27FC236}">
-                <a16:creationId xmlns:a16="http://schemas.microsoft.com/office/drawing/2014/main" id="{33D78EFB-DE64-4247-9460-D1922799661B}"/>
-              </a:ext>
-            </a:extLst>
-          </p:cNvPr>
+          <p:cNvPr id="42" name="Straight Connector 41"/>
           <p:cNvCxnSpPr>
             <a:stCxn id="8" idx="2"/>
             <a:endCxn id="16" idx="0"/>
@@ -4174,13 +4082,7 @@
       </p:cxnSp>
       <p:cxnSp>
         <p:nvCxnSpPr>
-          <p:cNvPr id="51" name="Connector: Curved 50">
-            <a:extLst>
-              <a:ext uri="{FF2B5EF4-FFF2-40B4-BE49-F238E27FC236}">
-                <a16:creationId xmlns:a16="http://schemas.microsoft.com/office/drawing/2014/main" id="{303A76AE-3DA7-44B6-B9F8-081E5A4920A1}"/>
-              </a:ext>
-            </a:extLst>
-          </p:cNvPr>
+          <p:cNvPr id="51" name="Connector: Curved 50"/>
           <p:cNvCxnSpPr>
             <a:endCxn id="7" idx="0"/>
           </p:cNvCxnSpPr>
@@ -4212,13 +4114,7 @@
       </p:cxnSp>
       <p:cxnSp>
         <p:nvCxnSpPr>
-          <p:cNvPr id="54" name="Connector: Elbow 53">
-            <a:extLst>
-              <a:ext uri="{FF2B5EF4-FFF2-40B4-BE49-F238E27FC236}">
-                <a16:creationId xmlns:a16="http://schemas.microsoft.com/office/drawing/2014/main" id="{F64F6011-DD6D-43DB-8C2A-C9A18781BF13}"/>
-              </a:ext>
-            </a:extLst>
-          </p:cNvPr>
+          <p:cNvPr id="54" name="Connector: Elbow 53"/>
           <p:cNvCxnSpPr>
             <a:stCxn id="11" idx="1"/>
             <a:endCxn id="9" idx="0"/>
@@ -4251,13 +4147,7 @@
       </p:cxnSp>
       <p:cxnSp>
         <p:nvCxnSpPr>
-          <p:cNvPr id="58" name="Straight Connector 57">
-            <a:extLst>
-              <a:ext uri="{FF2B5EF4-FFF2-40B4-BE49-F238E27FC236}">
-                <a16:creationId xmlns:a16="http://schemas.microsoft.com/office/drawing/2014/main" id="{4B53D47E-27D6-48C6-8DB1-480AE948DDC9}"/>
-              </a:ext>
-            </a:extLst>
-          </p:cNvPr>
+          <p:cNvPr id="58" name="Straight Connector 57"/>
           <p:cNvCxnSpPr>
             <a:stCxn id="16" idx="3"/>
             <a:endCxn id="10" idx="1"/>
@@ -4290,13 +4180,7 @@
       </p:cxnSp>
       <p:cxnSp>
         <p:nvCxnSpPr>
-          <p:cNvPr id="60" name="Connector: Curved 59">
-            <a:extLst>
-              <a:ext uri="{FF2B5EF4-FFF2-40B4-BE49-F238E27FC236}">
-                <a16:creationId xmlns:a16="http://schemas.microsoft.com/office/drawing/2014/main" id="{4DD128D3-D091-450C-A710-E9C3A8F8C21B}"/>
-              </a:ext>
-            </a:extLst>
-          </p:cNvPr>
+          <p:cNvPr id="60" name="Connector: Curved 59"/>
           <p:cNvCxnSpPr>
             <a:stCxn id="16" idx="1"/>
             <a:endCxn id="13" idx="3"/>
@@ -4331,13 +4215,7 @@
       </p:cxnSp>
       <p:cxnSp>
         <p:nvCxnSpPr>
-          <p:cNvPr id="63" name="Straight Connector 62">
-            <a:extLst>
-              <a:ext uri="{FF2B5EF4-FFF2-40B4-BE49-F238E27FC236}">
-                <a16:creationId xmlns:a16="http://schemas.microsoft.com/office/drawing/2014/main" id="{F002C805-9E5D-45EB-9B89-2CE0EEC3A38C}"/>
-              </a:ext>
-            </a:extLst>
-          </p:cNvPr>
+          <p:cNvPr id="63" name="Straight Connector 62"/>
           <p:cNvCxnSpPr>
             <a:stCxn id="6" idx="2"/>
             <a:endCxn id="20" idx="0"/>
@@ -4370,13 +4248,7 @@
       </p:cxnSp>
       <p:cxnSp>
         <p:nvCxnSpPr>
-          <p:cNvPr id="65" name="Connector: Elbow 64">
-            <a:extLst>
-              <a:ext uri="{FF2B5EF4-FFF2-40B4-BE49-F238E27FC236}">
-                <a16:creationId xmlns:a16="http://schemas.microsoft.com/office/drawing/2014/main" id="{BB16161B-6322-45EE-97FA-0FF24F285DA7}"/>
-              </a:ext>
-            </a:extLst>
-          </p:cNvPr>
+          <p:cNvPr id="65" name="Connector: Elbow 64"/>
           <p:cNvCxnSpPr>
             <a:stCxn id="4" idx="0"/>
             <a:endCxn id="12" idx="1"/>
@@ -4409,13 +4281,7 @@
       </p:cxnSp>
       <p:cxnSp>
         <p:nvCxnSpPr>
-          <p:cNvPr id="67" name="Connector: Curved 66">
-            <a:extLst>
-              <a:ext uri="{FF2B5EF4-FFF2-40B4-BE49-F238E27FC236}">
-                <a16:creationId xmlns:a16="http://schemas.microsoft.com/office/drawing/2014/main" id="{3A54C7FB-8851-43CF-B82F-9FF24B56400C}"/>
-              </a:ext>
-            </a:extLst>
-          </p:cNvPr>
+          <p:cNvPr id="67" name="Connector: Curved 66"/>
           <p:cNvCxnSpPr>
             <a:stCxn id="11" idx="3"/>
             <a:endCxn id="14" idx="0"/>
@@ -4448,13 +4314,7 @@
       </p:cxnSp>
       <p:sp>
         <p:nvSpPr>
-          <p:cNvPr id="68" name="Freeform: Shape 67">
-            <a:extLst>
-              <a:ext uri="{FF2B5EF4-FFF2-40B4-BE49-F238E27FC236}">
-                <a16:creationId xmlns:a16="http://schemas.microsoft.com/office/drawing/2014/main" id="{BA0DEE5B-33C4-4048-A084-915EF8EB73FB}"/>
-              </a:ext>
-            </a:extLst>
-          </p:cNvPr>
+          <p:cNvPr id="68" name="Freeform: Shape 67"/>
           <p:cNvSpPr/>
           <p:nvPr/>
         </p:nvSpPr>
@@ -4534,19 +4394,13 @@
           <a:lstStyle/>
           <a:p>
             <a:pPr algn="ctr"/>
-            <a:endParaRPr lang="en-US" sz="1221"/>
-          </a:p>
-        </p:txBody>
-      </p:sp>
-      <p:sp>
-        <p:nvSpPr>
-          <p:cNvPr id="70" name="TextBox 69">
-            <a:extLst>
-              <a:ext uri="{FF2B5EF4-FFF2-40B4-BE49-F238E27FC236}">
-                <a16:creationId xmlns:a16="http://schemas.microsoft.com/office/drawing/2014/main" id="{70046F04-DCEA-47B5-BB68-6FD51D5D772B}"/>
-              </a:ext>
-            </a:extLst>
-          </p:cNvPr>
+            <a:endParaRPr lang="en-US" sz="1220"/>
+          </a:p>
+        </p:txBody>
+      </p:sp>
+      <p:sp>
+        <p:nvSpPr>
+          <p:cNvPr id="70" name="TextBox 69"/>
           <p:cNvSpPr txBox="1"/>
           <p:nvPr/>
         </p:nvSpPr>
@@ -4567,21 +4421,16 @@
           <a:lstStyle/>
           <a:p>
             <a:r>
-              <a:rPr lang="en-US" sz="1221" dirty="0"/>
+              <a:rPr lang="en-US" sz="1220" dirty="0"/>
               <a:t>1..*</a:t>
             </a:r>
-          </a:p>
-        </p:txBody>
-      </p:sp>
-      <p:sp>
-        <p:nvSpPr>
-          <p:cNvPr id="73" name="TextBox 72">
-            <a:extLst>
-              <a:ext uri="{FF2B5EF4-FFF2-40B4-BE49-F238E27FC236}">
-                <a16:creationId xmlns:a16="http://schemas.microsoft.com/office/drawing/2014/main" id="{F5AFA129-E2A2-4953-84B0-E9DB3833DD60}"/>
-              </a:ext>
-            </a:extLst>
-          </p:cNvPr>
+            <a:endParaRPr lang="en-US" sz="1220" dirty="0"/>
+          </a:p>
+        </p:txBody>
+      </p:sp>
+      <p:sp>
+        <p:nvSpPr>
+          <p:cNvPr id="73" name="TextBox 72"/>
           <p:cNvSpPr txBox="1"/>
           <p:nvPr/>
         </p:nvSpPr>
@@ -4602,21 +4451,16 @@
           <a:lstStyle/>
           <a:p>
             <a:r>
-              <a:rPr lang="en-US" sz="1221" dirty="0"/>
+              <a:rPr lang="en-US" sz="1220" dirty="0"/>
               <a:t>*</a:t>
             </a:r>
-          </a:p>
-        </p:txBody>
-      </p:sp>
-      <p:sp>
-        <p:nvSpPr>
-          <p:cNvPr id="74" name="TextBox 73">
-            <a:extLst>
-              <a:ext uri="{FF2B5EF4-FFF2-40B4-BE49-F238E27FC236}">
-                <a16:creationId xmlns:a16="http://schemas.microsoft.com/office/drawing/2014/main" id="{9EC2A2FE-E548-4ED3-8048-2BFB4D5486DA}"/>
-              </a:ext>
-            </a:extLst>
-          </p:cNvPr>
+            <a:endParaRPr lang="en-US" sz="1220" dirty="0"/>
+          </a:p>
+        </p:txBody>
+      </p:sp>
+      <p:sp>
+        <p:nvSpPr>
+          <p:cNvPr id="74" name="TextBox 73"/>
           <p:cNvSpPr txBox="1"/>
           <p:nvPr/>
         </p:nvSpPr>
@@ -4637,21 +4481,16 @@
           <a:lstStyle/>
           <a:p>
             <a:r>
-              <a:rPr lang="en-US" sz="1221" dirty="0"/>
+              <a:rPr lang="en-US" sz="1220" dirty="0"/>
               <a:t>1..*</a:t>
             </a:r>
-          </a:p>
-        </p:txBody>
-      </p:sp>
-      <p:sp>
-        <p:nvSpPr>
-          <p:cNvPr id="75" name="TextBox 74">
-            <a:extLst>
-              <a:ext uri="{FF2B5EF4-FFF2-40B4-BE49-F238E27FC236}">
-                <a16:creationId xmlns:a16="http://schemas.microsoft.com/office/drawing/2014/main" id="{C52B65EF-1A0A-4B88-910F-080830CF8A81}"/>
-              </a:ext>
-            </a:extLst>
-          </p:cNvPr>
+            <a:endParaRPr lang="en-US" sz="1220" dirty="0"/>
+          </a:p>
+        </p:txBody>
+      </p:sp>
+      <p:sp>
+        <p:nvSpPr>
+          <p:cNvPr id="75" name="TextBox 74"/>
           <p:cNvSpPr txBox="1"/>
           <p:nvPr/>
         </p:nvSpPr>
@@ -4672,21 +4511,16 @@
           <a:lstStyle/>
           <a:p>
             <a:r>
-              <a:rPr lang="en-US" sz="1221" dirty="0"/>
+              <a:rPr lang="en-US" sz="1220" dirty="0"/>
               <a:t>1..*</a:t>
             </a:r>
-          </a:p>
-        </p:txBody>
-      </p:sp>
-      <p:sp>
-        <p:nvSpPr>
-          <p:cNvPr id="76" name="TextBox 75">
-            <a:extLst>
-              <a:ext uri="{FF2B5EF4-FFF2-40B4-BE49-F238E27FC236}">
-                <a16:creationId xmlns:a16="http://schemas.microsoft.com/office/drawing/2014/main" id="{BCF24EC8-3ABD-42A3-A70B-BC4F6F52BE51}"/>
-              </a:ext>
-            </a:extLst>
-          </p:cNvPr>
+            <a:endParaRPr lang="en-US" sz="1220" dirty="0"/>
+          </a:p>
+        </p:txBody>
+      </p:sp>
+      <p:sp>
+        <p:nvSpPr>
+          <p:cNvPr id="76" name="TextBox 75"/>
           <p:cNvSpPr txBox="1"/>
           <p:nvPr/>
         </p:nvSpPr>
@@ -4707,21 +4541,16 @@
           <a:lstStyle/>
           <a:p>
             <a:r>
-              <a:rPr lang="en-US" sz="1221" dirty="0"/>
+              <a:rPr lang="en-US" sz="1220" dirty="0"/>
               <a:t>1..*</a:t>
             </a:r>
-          </a:p>
-        </p:txBody>
-      </p:sp>
-      <p:sp>
-        <p:nvSpPr>
-          <p:cNvPr id="77" name="TextBox 76">
-            <a:extLst>
-              <a:ext uri="{FF2B5EF4-FFF2-40B4-BE49-F238E27FC236}">
-                <a16:creationId xmlns:a16="http://schemas.microsoft.com/office/drawing/2014/main" id="{03F4FAEC-52A6-42D0-86C7-0FFA74F8C6D5}"/>
-              </a:ext>
-            </a:extLst>
-          </p:cNvPr>
+            <a:endParaRPr lang="en-US" sz="1220" dirty="0"/>
+          </a:p>
+        </p:txBody>
+      </p:sp>
+      <p:sp>
+        <p:nvSpPr>
+          <p:cNvPr id="77" name="TextBox 76"/>
           <p:cNvSpPr txBox="1"/>
           <p:nvPr/>
         </p:nvSpPr>
@@ -4745,18 +4574,13 @@
               <a:rPr lang="en-US" sz="950" dirty="0"/>
               <a:t>1..*</a:t>
             </a:r>
-          </a:p>
-        </p:txBody>
-      </p:sp>
-      <p:sp>
-        <p:nvSpPr>
-          <p:cNvPr id="78" name="TextBox 77">
-            <a:extLst>
-              <a:ext uri="{FF2B5EF4-FFF2-40B4-BE49-F238E27FC236}">
-                <a16:creationId xmlns:a16="http://schemas.microsoft.com/office/drawing/2014/main" id="{544A6D24-1E61-4254-8B39-4E54288D7F61}"/>
-              </a:ext>
-            </a:extLst>
-          </p:cNvPr>
+            <a:endParaRPr lang="en-US" sz="950" dirty="0"/>
+          </a:p>
+        </p:txBody>
+      </p:sp>
+      <p:sp>
+        <p:nvSpPr>
+          <p:cNvPr id="78" name="TextBox 77"/>
           <p:cNvSpPr txBox="1"/>
           <p:nvPr/>
         </p:nvSpPr>
@@ -4780,18 +4604,13 @@
               <a:rPr lang="en-US" sz="950" dirty="0"/>
               <a:t>1..*</a:t>
             </a:r>
-          </a:p>
-        </p:txBody>
-      </p:sp>
-      <p:sp>
-        <p:nvSpPr>
-          <p:cNvPr id="79" name="TextBox 78">
-            <a:extLst>
-              <a:ext uri="{FF2B5EF4-FFF2-40B4-BE49-F238E27FC236}">
-                <a16:creationId xmlns:a16="http://schemas.microsoft.com/office/drawing/2014/main" id="{8B697ED3-CFC2-471A-8642-60310DF20E16}"/>
-              </a:ext>
-            </a:extLst>
-          </p:cNvPr>
+            <a:endParaRPr lang="en-US" sz="950" dirty="0"/>
+          </a:p>
+        </p:txBody>
+      </p:sp>
+      <p:sp>
+        <p:nvSpPr>
+          <p:cNvPr id="79" name="TextBox 78"/>
           <p:cNvSpPr txBox="1"/>
           <p:nvPr/>
         </p:nvSpPr>
@@ -4812,21 +4631,16 @@
           <a:lstStyle/>
           <a:p>
             <a:r>
-              <a:rPr lang="en-US" sz="1221" dirty="0"/>
+              <a:rPr lang="en-US" sz="1220" dirty="0"/>
               <a:t>*</a:t>
             </a:r>
-          </a:p>
-        </p:txBody>
-      </p:sp>
-      <p:sp>
-        <p:nvSpPr>
-          <p:cNvPr id="80" name="TextBox 79">
-            <a:extLst>
-              <a:ext uri="{FF2B5EF4-FFF2-40B4-BE49-F238E27FC236}">
-                <a16:creationId xmlns:a16="http://schemas.microsoft.com/office/drawing/2014/main" id="{A02B77E7-F4FA-4E6A-9D64-86A0EBEDCA53}"/>
-              </a:ext>
-            </a:extLst>
-          </p:cNvPr>
+            <a:endParaRPr lang="en-US" sz="1220" dirty="0"/>
+          </a:p>
+        </p:txBody>
+      </p:sp>
+      <p:sp>
+        <p:nvSpPr>
+          <p:cNvPr id="80" name="TextBox 79"/>
           <p:cNvSpPr txBox="1"/>
           <p:nvPr/>
         </p:nvSpPr>
@@ -4850,18 +4664,13 @@
               <a:rPr lang="en-US" sz="950" dirty="0"/>
               <a:t>1..*</a:t>
             </a:r>
-          </a:p>
-        </p:txBody>
-      </p:sp>
-      <p:sp>
-        <p:nvSpPr>
-          <p:cNvPr id="81" name="TextBox 80">
-            <a:extLst>
-              <a:ext uri="{FF2B5EF4-FFF2-40B4-BE49-F238E27FC236}">
-                <a16:creationId xmlns:a16="http://schemas.microsoft.com/office/drawing/2014/main" id="{8AD8599B-AB13-4160-920D-D9B9EAF27874}"/>
-              </a:ext>
-            </a:extLst>
-          </p:cNvPr>
+            <a:endParaRPr lang="en-US" sz="950" dirty="0"/>
+          </a:p>
+        </p:txBody>
+      </p:sp>
+      <p:sp>
+        <p:nvSpPr>
+          <p:cNvPr id="81" name="TextBox 80"/>
           <p:cNvSpPr txBox="1"/>
           <p:nvPr/>
         </p:nvSpPr>
@@ -4885,18 +4694,13 @@
               <a:rPr lang="en-US" sz="950" dirty="0"/>
               <a:t>1..*</a:t>
             </a:r>
-          </a:p>
-        </p:txBody>
-      </p:sp>
-      <p:sp>
-        <p:nvSpPr>
-          <p:cNvPr id="82" name="TextBox 81">
-            <a:extLst>
-              <a:ext uri="{FF2B5EF4-FFF2-40B4-BE49-F238E27FC236}">
-                <a16:creationId xmlns:a16="http://schemas.microsoft.com/office/drawing/2014/main" id="{0E347B9E-468E-4552-9FFD-0100A3ABB8A8}"/>
-              </a:ext>
-            </a:extLst>
-          </p:cNvPr>
+            <a:endParaRPr lang="en-US" sz="950" dirty="0"/>
+          </a:p>
+        </p:txBody>
+      </p:sp>
+      <p:sp>
+        <p:nvSpPr>
+          <p:cNvPr id="82" name="TextBox 81"/>
           <p:cNvSpPr txBox="1"/>
           <p:nvPr/>
         </p:nvSpPr>
@@ -4920,18 +4724,13 @@
               <a:rPr lang="en-US" sz="950" dirty="0"/>
               <a:t>1..*</a:t>
             </a:r>
-          </a:p>
-        </p:txBody>
-      </p:sp>
-      <p:sp>
-        <p:nvSpPr>
-          <p:cNvPr id="83" name="TextBox 82">
-            <a:extLst>
-              <a:ext uri="{FF2B5EF4-FFF2-40B4-BE49-F238E27FC236}">
-                <a16:creationId xmlns:a16="http://schemas.microsoft.com/office/drawing/2014/main" id="{6C3C3C61-AC1D-407D-8FF3-996F43FDB002}"/>
-              </a:ext>
-            </a:extLst>
-          </p:cNvPr>
+            <a:endParaRPr lang="en-US" sz="950" dirty="0"/>
+          </a:p>
+        </p:txBody>
+      </p:sp>
+      <p:sp>
+        <p:nvSpPr>
+          <p:cNvPr id="83" name="TextBox 82"/>
           <p:cNvSpPr txBox="1"/>
           <p:nvPr/>
         </p:nvSpPr>
@@ -4955,18 +4754,13 @@
               <a:rPr lang="en-US" sz="950" dirty="0"/>
               <a:t>1..*</a:t>
             </a:r>
-          </a:p>
-        </p:txBody>
-      </p:sp>
-      <p:sp>
-        <p:nvSpPr>
-          <p:cNvPr id="84" name="TextBox 83">
-            <a:extLst>
-              <a:ext uri="{FF2B5EF4-FFF2-40B4-BE49-F238E27FC236}">
-                <a16:creationId xmlns:a16="http://schemas.microsoft.com/office/drawing/2014/main" id="{7091BC07-6C35-4DE6-A8CE-249B05BEB89F}"/>
-              </a:ext>
-            </a:extLst>
-          </p:cNvPr>
+            <a:endParaRPr lang="en-US" sz="950" dirty="0"/>
+          </a:p>
+        </p:txBody>
+      </p:sp>
+      <p:sp>
+        <p:nvSpPr>
+          <p:cNvPr id="84" name="TextBox 83"/>
           <p:cNvSpPr txBox="1"/>
           <p:nvPr/>
         </p:nvSpPr>
@@ -4990,18 +4784,13 @@
               <a:rPr lang="en-US" sz="950" dirty="0"/>
               <a:t>1..*</a:t>
             </a:r>
-          </a:p>
-        </p:txBody>
-      </p:sp>
-      <p:sp>
-        <p:nvSpPr>
-          <p:cNvPr id="85" name="TextBox 84">
-            <a:extLst>
-              <a:ext uri="{FF2B5EF4-FFF2-40B4-BE49-F238E27FC236}">
-                <a16:creationId xmlns:a16="http://schemas.microsoft.com/office/drawing/2014/main" id="{CB9F4A9A-91B6-4B9E-AD19-43E179D530D7}"/>
-              </a:ext>
-            </a:extLst>
-          </p:cNvPr>
+            <a:endParaRPr lang="en-US" sz="950" dirty="0"/>
+          </a:p>
+        </p:txBody>
+      </p:sp>
+      <p:sp>
+        <p:nvSpPr>
+          <p:cNvPr id="85" name="TextBox 84"/>
           <p:cNvSpPr txBox="1"/>
           <p:nvPr/>
         </p:nvSpPr>
@@ -5022,21 +4811,16 @@
           <a:lstStyle/>
           <a:p>
             <a:r>
-              <a:rPr lang="en-US" sz="1086" dirty="0"/>
+              <a:rPr lang="en-US" sz="1085" dirty="0"/>
               <a:t>*</a:t>
             </a:r>
-          </a:p>
-        </p:txBody>
-      </p:sp>
-      <p:sp>
-        <p:nvSpPr>
-          <p:cNvPr id="87" name="TextBox 86">
-            <a:extLst>
-              <a:ext uri="{FF2B5EF4-FFF2-40B4-BE49-F238E27FC236}">
-                <a16:creationId xmlns:a16="http://schemas.microsoft.com/office/drawing/2014/main" id="{DF9499C7-2C10-4BCB-B072-121091B697AE}"/>
-              </a:ext>
-            </a:extLst>
-          </p:cNvPr>
+            <a:endParaRPr lang="en-US" sz="1085" dirty="0"/>
+          </a:p>
+        </p:txBody>
+      </p:sp>
+      <p:sp>
+        <p:nvSpPr>
+          <p:cNvPr id="87" name="TextBox 86"/>
           <p:cNvSpPr txBox="1"/>
           <p:nvPr/>
         </p:nvSpPr>
@@ -5057,21 +4841,16 @@
           <a:lstStyle/>
           <a:p>
             <a:r>
-              <a:rPr lang="en-US" sz="1086" dirty="0"/>
+              <a:rPr lang="en-US" sz="1085" dirty="0"/>
               <a:t>*</a:t>
             </a:r>
-          </a:p>
-        </p:txBody>
-      </p:sp>
-      <p:sp>
-        <p:nvSpPr>
-          <p:cNvPr id="88" name="TextBox 87">
-            <a:extLst>
-              <a:ext uri="{FF2B5EF4-FFF2-40B4-BE49-F238E27FC236}">
-                <a16:creationId xmlns:a16="http://schemas.microsoft.com/office/drawing/2014/main" id="{DBF7A25D-F019-416B-BD88-4958B870CDA0}"/>
-              </a:ext>
-            </a:extLst>
-          </p:cNvPr>
+            <a:endParaRPr lang="en-US" sz="1085" dirty="0"/>
+          </a:p>
+        </p:txBody>
+      </p:sp>
+      <p:sp>
+        <p:nvSpPr>
+          <p:cNvPr id="88" name="TextBox 87"/>
           <p:cNvSpPr txBox="1"/>
           <p:nvPr/>
         </p:nvSpPr>
@@ -5092,21 +4871,16 @@
           <a:lstStyle/>
           <a:p>
             <a:r>
-              <a:rPr lang="en-US" sz="1086" dirty="0"/>
+              <a:rPr lang="en-US" sz="1085" dirty="0"/>
               <a:t>*</a:t>
             </a:r>
-          </a:p>
-        </p:txBody>
-      </p:sp>
-      <p:sp>
-        <p:nvSpPr>
-          <p:cNvPr id="89" name="TextBox 88">
-            <a:extLst>
-              <a:ext uri="{FF2B5EF4-FFF2-40B4-BE49-F238E27FC236}">
-                <a16:creationId xmlns:a16="http://schemas.microsoft.com/office/drawing/2014/main" id="{3EC81AA4-C2CA-40D3-90B5-05E6354C10B2}"/>
-              </a:ext>
-            </a:extLst>
-          </p:cNvPr>
+            <a:endParaRPr lang="en-US" sz="1085" dirty="0"/>
+          </a:p>
+        </p:txBody>
+      </p:sp>
+      <p:sp>
+        <p:nvSpPr>
+          <p:cNvPr id="89" name="TextBox 88"/>
           <p:cNvSpPr txBox="1"/>
           <p:nvPr/>
         </p:nvSpPr>
@@ -5127,21 +4901,16 @@
           <a:lstStyle/>
           <a:p>
             <a:r>
-              <a:rPr lang="en-US" sz="1221" dirty="0"/>
+              <a:rPr lang="en-US" sz="1220" dirty="0"/>
               <a:t>1..*</a:t>
             </a:r>
-          </a:p>
-        </p:txBody>
-      </p:sp>
-      <p:sp>
-        <p:nvSpPr>
-          <p:cNvPr id="90" name="TextBox 89">
-            <a:extLst>
-              <a:ext uri="{FF2B5EF4-FFF2-40B4-BE49-F238E27FC236}">
-                <a16:creationId xmlns:a16="http://schemas.microsoft.com/office/drawing/2014/main" id="{C6CE4E7D-B3EB-4B4C-A8C2-30FEBEB4203B}"/>
-              </a:ext>
-            </a:extLst>
-          </p:cNvPr>
+            <a:endParaRPr lang="en-US" sz="1220" dirty="0"/>
+          </a:p>
+        </p:txBody>
+      </p:sp>
+      <p:sp>
+        <p:nvSpPr>
+          <p:cNvPr id="90" name="TextBox 89"/>
           <p:cNvSpPr txBox="1"/>
           <p:nvPr/>
         </p:nvSpPr>
@@ -5162,21 +4931,16 @@
           <a:lstStyle/>
           <a:p>
             <a:r>
-              <a:rPr lang="en-US" sz="1221" dirty="0"/>
+              <a:rPr lang="en-US" sz="1220" dirty="0"/>
               <a:t>*</a:t>
             </a:r>
-          </a:p>
-        </p:txBody>
-      </p:sp>
-      <p:sp>
-        <p:nvSpPr>
-          <p:cNvPr id="91" name="TextBox 90">
-            <a:extLst>
-              <a:ext uri="{FF2B5EF4-FFF2-40B4-BE49-F238E27FC236}">
-                <a16:creationId xmlns:a16="http://schemas.microsoft.com/office/drawing/2014/main" id="{4BA65E4D-849B-4F57-AA15-5C8D23835D3E}"/>
-              </a:ext>
-            </a:extLst>
-          </p:cNvPr>
+            <a:endParaRPr lang="en-US" sz="1220" dirty="0"/>
+          </a:p>
+        </p:txBody>
+      </p:sp>
+      <p:sp>
+        <p:nvSpPr>
+          <p:cNvPr id="91" name="TextBox 90"/>
           <p:cNvSpPr txBox="1"/>
           <p:nvPr/>
         </p:nvSpPr>
@@ -5197,21 +4961,16 @@
           <a:lstStyle/>
           <a:p>
             <a:r>
-              <a:rPr lang="en-US" sz="1221" dirty="0"/>
+              <a:rPr lang="en-US" sz="1220" dirty="0"/>
               <a:t>*</a:t>
             </a:r>
-          </a:p>
-        </p:txBody>
-      </p:sp>
-      <p:sp>
-        <p:nvSpPr>
-          <p:cNvPr id="92" name="TextBox 91">
-            <a:extLst>
-              <a:ext uri="{FF2B5EF4-FFF2-40B4-BE49-F238E27FC236}">
-                <a16:creationId xmlns:a16="http://schemas.microsoft.com/office/drawing/2014/main" id="{978CBB3C-E3A6-40F8-9B27-05DE4445CD75}"/>
-              </a:ext>
-            </a:extLst>
-          </p:cNvPr>
+            <a:endParaRPr lang="en-US" sz="1220" dirty="0"/>
+          </a:p>
+        </p:txBody>
+      </p:sp>
+      <p:sp>
+        <p:nvSpPr>
+          <p:cNvPr id="92" name="TextBox 91"/>
           <p:cNvSpPr txBox="1"/>
           <p:nvPr/>
         </p:nvSpPr>
@@ -5232,21 +4991,16 @@
           <a:lstStyle/>
           <a:p>
             <a:r>
-              <a:rPr lang="en-US" sz="1221" dirty="0"/>
+              <a:rPr lang="en-US" sz="1220" dirty="0"/>
               <a:t>1..*</a:t>
             </a:r>
-          </a:p>
-        </p:txBody>
-      </p:sp>
-      <p:sp>
-        <p:nvSpPr>
-          <p:cNvPr id="93" name="TextBox 92">
-            <a:extLst>
-              <a:ext uri="{FF2B5EF4-FFF2-40B4-BE49-F238E27FC236}">
-                <a16:creationId xmlns:a16="http://schemas.microsoft.com/office/drawing/2014/main" id="{D4673209-05FB-48BE-A7D0-4911F228BB5E}"/>
-              </a:ext>
-            </a:extLst>
-          </p:cNvPr>
+            <a:endParaRPr lang="en-US" sz="1220" dirty="0"/>
+          </a:p>
+        </p:txBody>
+      </p:sp>
+      <p:sp>
+        <p:nvSpPr>
+          <p:cNvPr id="93" name="TextBox 92"/>
           <p:cNvSpPr txBox="1"/>
           <p:nvPr/>
         </p:nvSpPr>
@@ -5270,18 +5024,13 @@
               <a:rPr lang="en-US" sz="950" dirty="0"/>
               <a:t>1..*</a:t>
             </a:r>
-          </a:p>
-        </p:txBody>
-      </p:sp>
-      <p:sp>
-        <p:nvSpPr>
-          <p:cNvPr id="94" name="TextBox 93">
-            <a:extLst>
-              <a:ext uri="{FF2B5EF4-FFF2-40B4-BE49-F238E27FC236}">
-                <a16:creationId xmlns:a16="http://schemas.microsoft.com/office/drawing/2014/main" id="{F8B5D702-6082-41E4-B523-4B375558A0C6}"/>
-              </a:ext>
-            </a:extLst>
-          </p:cNvPr>
+            <a:endParaRPr lang="en-US" sz="950" dirty="0"/>
+          </a:p>
+        </p:txBody>
+      </p:sp>
+      <p:sp>
+        <p:nvSpPr>
+          <p:cNvPr id="94" name="TextBox 93"/>
           <p:cNvSpPr txBox="1"/>
           <p:nvPr/>
         </p:nvSpPr>
@@ -5302,21 +5051,16 @@
           <a:lstStyle/>
           <a:p>
             <a:r>
-              <a:rPr lang="en-US" sz="1221" dirty="0"/>
+              <a:rPr lang="en-US" sz="1220" dirty="0"/>
               <a:t>*</a:t>
             </a:r>
-          </a:p>
-        </p:txBody>
-      </p:sp>
-      <p:sp>
-        <p:nvSpPr>
-          <p:cNvPr id="95" name="TextBox 94">
-            <a:extLst>
-              <a:ext uri="{FF2B5EF4-FFF2-40B4-BE49-F238E27FC236}">
-                <a16:creationId xmlns:a16="http://schemas.microsoft.com/office/drawing/2014/main" id="{B4B694CE-3198-4096-AE09-E357BCCBB06B}"/>
-              </a:ext>
-            </a:extLst>
-          </p:cNvPr>
+            <a:endParaRPr lang="en-US" sz="1220" dirty="0"/>
+          </a:p>
+        </p:txBody>
+      </p:sp>
+      <p:sp>
+        <p:nvSpPr>
+          <p:cNvPr id="95" name="TextBox 94"/>
           <p:cNvSpPr txBox="1"/>
           <p:nvPr/>
         </p:nvSpPr>
@@ -5337,21 +5081,16 @@
           <a:lstStyle/>
           <a:p>
             <a:r>
-              <a:rPr lang="en-US" sz="1221" dirty="0"/>
+              <a:rPr lang="en-US" sz="1220" dirty="0"/>
               <a:t>1..*</a:t>
             </a:r>
-          </a:p>
-        </p:txBody>
-      </p:sp>
-      <p:sp>
-        <p:nvSpPr>
-          <p:cNvPr id="97" name="TextBox 96">
-            <a:extLst>
-              <a:ext uri="{FF2B5EF4-FFF2-40B4-BE49-F238E27FC236}">
-                <a16:creationId xmlns:a16="http://schemas.microsoft.com/office/drawing/2014/main" id="{5F5157B6-325E-4FE0-B17E-B32CABBE731B}"/>
-              </a:ext>
-            </a:extLst>
-          </p:cNvPr>
+            <a:endParaRPr lang="en-US" sz="1220" dirty="0"/>
+          </a:p>
+        </p:txBody>
+      </p:sp>
+      <p:sp>
+        <p:nvSpPr>
+          <p:cNvPr id="97" name="TextBox 96"/>
           <p:cNvSpPr txBox="1"/>
           <p:nvPr/>
         </p:nvSpPr>
@@ -5372,21 +5111,16 @@
           <a:lstStyle/>
           <a:p>
             <a:r>
-              <a:rPr lang="en-US" sz="1221" dirty="0"/>
+              <a:rPr lang="en-US" sz="1220" dirty="0"/>
               <a:t>1..*</a:t>
             </a:r>
-          </a:p>
-        </p:txBody>
-      </p:sp>
-      <p:sp>
-        <p:nvSpPr>
-          <p:cNvPr id="98" name="TextBox 97">
-            <a:extLst>
-              <a:ext uri="{FF2B5EF4-FFF2-40B4-BE49-F238E27FC236}">
-                <a16:creationId xmlns:a16="http://schemas.microsoft.com/office/drawing/2014/main" id="{6A9D1CCE-8057-4CCE-AD58-8CDB09A0FA0A}"/>
-              </a:ext>
-            </a:extLst>
-          </p:cNvPr>
+            <a:endParaRPr lang="en-US" sz="1220" dirty="0"/>
+          </a:p>
+        </p:txBody>
+      </p:sp>
+      <p:sp>
+        <p:nvSpPr>
+          <p:cNvPr id="98" name="TextBox 97"/>
           <p:cNvSpPr txBox="1"/>
           <p:nvPr/>
         </p:nvSpPr>
@@ -5410,18 +5144,13 @@
               <a:rPr lang="en-US" sz="950" dirty="0"/>
               <a:t>1,3,5</a:t>
             </a:r>
-          </a:p>
-        </p:txBody>
-      </p:sp>
-      <p:sp>
-        <p:nvSpPr>
-          <p:cNvPr id="99" name="TextBox 98">
-            <a:extLst>
-              <a:ext uri="{FF2B5EF4-FFF2-40B4-BE49-F238E27FC236}">
-                <a16:creationId xmlns:a16="http://schemas.microsoft.com/office/drawing/2014/main" id="{409B77F8-F726-43EB-932F-C39923206725}"/>
-              </a:ext>
-            </a:extLst>
-          </p:cNvPr>
+            <a:endParaRPr lang="en-US" sz="950" dirty="0"/>
+          </a:p>
+        </p:txBody>
+      </p:sp>
+      <p:sp>
+        <p:nvSpPr>
+          <p:cNvPr id="99" name="TextBox 98"/>
           <p:cNvSpPr txBox="1"/>
           <p:nvPr/>
         </p:nvSpPr>
@@ -5445,21 +5174,16 @@
               <a:rPr lang="en-US" sz="950" dirty="0"/>
               <a:t>1</a:t>
             </a:r>
-          </a:p>
-          <a:p>
             <a:endParaRPr lang="en-US" sz="950" dirty="0"/>
           </a:p>
-        </p:txBody>
-      </p:sp>
-      <p:sp>
-        <p:nvSpPr>
-          <p:cNvPr id="100" name="TextBox 99">
-            <a:extLst>
-              <a:ext uri="{FF2B5EF4-FFF2-40B4-BE49-F238E27FC236}">
-                <a16:creationId xmlns:a16="http://schemas.microsoft.com/office/drawing/2014/main" id="{C787C27E-8F46-4BBD-A488-873ED097E22B}"/>
-              </a:ext>
-            </a:extLst>
-          </p:cNvPr>
+          <a:p>
+            <a:endParaRPr lang="en-US" sz="950" dirty="0"/>
+          </a:p>
+        </p:txBody>
+      </p:sp>
+      <p:sp>
+        <p:nvSpPr>
+          <p:cNvPr id="100" name="TextBox 99"/>
           <p:cNvSpPr txBox="1"/>
           <p:nvPr/>
         </p:nvSpPr>
@@ -5480,21 +5204,16 @@
           <a:lstStyle/>
           <a:p>
             <a:r>
-              <a:rPr lang="en-US" sz="1221" dirty="0"/>
+              <a:rPr lang="en-US" sz="1220" dirty="0"/>
               <a:t>*</a:t>
             </a:r>
-          </a:p>
-        </p:txBody>
-      </p:sp>
-      <p:sp>
-        <p:nvSpPr>
-          <p:cNvPr id="102" name="TextBox 101">
-            <a:extLst>
-              <a:ext uri="{FF2B5EF4-FFF2-40B4-BE49-F238E27FC236}">
-                <a16:creationId xmlns:a16="http://schemas.microsoft.com/office/drawing/2014/main" id="{1061BDD6-C114-42FD-8E5D-C3142A2D888E}"/>
-              </a:ext>
-            </a:extLst>
-          </p:cNvPr>
+            <a:endParaRPr lang="en-US" sz="1220" dirty="0"/>
+          </a:p>
+        </p:txBody>
+      </p:sp>
+      <p:sp>
+        <p:nvSpPr>
+          <p:cNvPr id="102" name="TextBox 101"/>
           <p:cNvSpPr txBox="1"/>
           <p:nvPr/>
         </p:nvSpPr>
@@ -5515,21 +5234,16 @@
           <a:lstStyle/>
           <a:p>
             <a:r>
-              <a:rPr lang="en-US" sz="1221" dirty="0"/>
+              <a:rPr lang="en-US" sz="1220" dirty="0"/>
               <a:t>1..*</a:t>
             </a:r>
-          </a:p>
-        </p:txBody>
-      </p:sp>
-      <p:sp>
-        <p:nvSpPr>
-          <p:cNvPr id="64" name="TextBox 63">
-            <a:extLst>
-              <a:ext uri="{FF2B5EF4-FFF2-40B4-BE49-F238E27FC236}">
-                <a16:creationId xmlns:a16="http://schemas.microsoft.com/office/drawing/2014/main" id="{6CE24E43-0748-4EA6-886A-2094846172E3}"/>
-              </a:ext>
-            </a:extLst>
-          </p:cNvPr>
+            <a:endParaRPr lang="en-US" sz="1220" dirty="0"/>
+          </a:p>
+        </p:txBody>
+      </p:sp>
+      <p:sp>
+        <p:nvSpPr>
+          <p:cNvPr id="64" name="TextBox 63"/>
           <p:cNvSpPr txBox="1"/>
           <p:nvPr/>
         </p:nvSpPr>
@@ -5554,20 +5268,25 @@
                 <a:spcPct val="107000"/>
               </a:lnSpc>
               <a:spcAft>
-                <a:spcPts val="542"/>
+                <a:spcPts val="540"/>
               </a:spcAft>
             </a:pPr>
             <a:r>
-              <a:rPr lang="en-US" sz="1086" dirty="0">
+              <a:rPr lang="en-US" sz="1085" dirty="0">
                 <a:latin typeface="Calibri" panose="020F0502020204030204" pitchFamily="34" charset="0"/>
                 <a:ea typeface="Calibri" panose="020F0502020204030204" pitchFamily="34" charset="0"/>
                 <a:cs typeface="Times New Roman" panose="02020603050405020304" pitchFamily="18" charset="0"/>
               </a:rPr>
               <a:t> </a:t>
             </a:r>
-          </a:p>
-          <a:p>
-            <a:pPr marL="232683" indent="-232683">
+            <a:endParaRPr lang="en-US" sz="1085" dirty="0">
+              <a:latin typeface="Calibri" panose="020F0502020204030204" pitchFamily="34" charset="0"/>
+              <a:ea typeface="Calibri" panose="020F0502020204030204" pitchFamily="34" charset="0"/>
+              <a:cs typeface="Times New Roman" panose="02020603050405020304" pitchFamily="18" charset="0"/>
+            </a:endParaRPr>
+          </a:p>
+          <a:p>
+            <a:pPr marL="232410" indent="-232410">
               <a:lnSpc>
                 <a:spcPct val="107000"/>
               </a:lnSpc>
@@ -5619,7 +5338,7 @@
             </a:endParaRPr>
           </a:p>
           <a:p>
-            <a:pPr marL="232683" indent="-232683">
+            <a:pPr marL="232410" indent="-232410">
               <a:lnSpc>
                 <a:spcPct val="107000"/>
               </a:lnSpc>
@@ -5695,7 +5414,7 @@
             </a:endParaRPr>
           </a:p>
           <a:p>
-            <a:pPr marL="232683" indent="-232683">
+            <a:pPr marL="232410" indent="-232410">
               <a:lnSpc>
                 <a:spcPct val="107000"/>
               </a:lnSpc>
@@ -5732,9 +5451,14 @@
               </a:rPr>
               <a:t>Library.</a:t>
             </a:r>
-          </a:p>
-          <a:p>
-            <a:pPr marL="232683" indent="-232683">
+            <a:endParaRPr lang="en-US" sz="1600" dirty="0">
+              <a:latin typeface="Calibri" panose="020F0502020204030204" pitchFamily="34" charset="0"/>
+              <a:ea typeface="Calibri" panose="020F0502020204030204" pitchFamily="34" charset="0"/>
+              <a:cs typeface="Times New Roman" panose="02020603050405020304" pitchFamily="18" charset="0"/>
+            </a:endParaRPr>
+          </a:p>
+          <a:p>
+            <a:pPr marL="232410" indent="-232410">
               <a:lnSpc>
                 <a:spcPct val="107000"/>
               </a:lnSpc>
@@ -5833,7 +5557,7 @@
             </a:endParaRPr>
           </a:p>
           <a:p>
-            <a:pPr marL="277066">
+            <a:pPr marL="276860">
               <a:lnSpc>
                 <a:spcPct val="107000"/>
               </a:lnSpc>
@@ -5979,7 +5703,7 @@
             </a:endParaRPr>
           </a:p>
           <a:p>
-            <a:pPr marL="277066">
+            <a:pPr marL="276860">
               <a:lnSpc>
                 <a:spcPct val="107000"/>
               </a:lnSpc>
@@ -6088,9 +5812,14 @@
               </a:rPr>
               <a:t>.</a:t>
             </a:r>
-          </a:p>
-          <a:p>
-            <a:pPr marL="277066">
+            <a:endParaRPr lang="el-GR" sz="1600" dirty="0">
+              <a:latin typeface="Calibri" panose="020F0502020204030204" pitchFamily="34" charset="0"/>
+              <a:ea typeface="Calibri" panose="020F0502020204030204" pitchFamily="34" charset="0"/>
+              <a:cs typeface="Times New Roman" panose="02020603050405020304" pitchFamily="18" charset="0"/>
+            </a:endParaRPr>
+          </a:p>
+          <a:p>
+            <a:pPr marL="276860">
               <a:lnSpc>
                 <a:spcPct val="107000"/>
               </a:lnSpc>
@@ -6119,9 +5848,14 @@
               </a:rPr>
               <a:t> είδος:</a:t>
             </a:r>
-          </a:p>
-          <a:p>
-            <a:pPr marL="277066">
+            <a:endParaRPr lang="el-GR" sz="1600" dirty="0">
+              <a:latin typeface="Calibri" panose="020F0502020204030204" pitchFamily="34" charset="0"/>
+              <a:ea typeface="Calibri" panose="020F0502020204030204" pitchFamily="34" charset="0"/>
+              <a:cs typeface="Times New Roman" panose="02020603050405020304" pitchFamily="18" charset="0"/>
+            </a:endParaRPr>
+          </a:p>
+          <a:p>
+            <a:pPr marL="276860">
               <a:lnSpc>
                 <a:spcPct val="107000"/>
               </a:lnSpc>
@@ -6338,6 +6072,11 @@
               </a:rPr>
               <a:t> </a:t>
             </a:r>
+            <a:endParaRPr lang="en-US" sz="1600" dirty="0">
+              <a:latin typeface="Calibri" panose="020F0502020204030204" pitchFamily="34" charset="0"/>
+              <a:ea typeface="Calibri" panose="020F0502020204030204" pitchFamily="34" charset="0"/>
+              <a:cs typeface="Times New Roman" panose="02020603050405020304" pitchFamily="18" charset="0"/>
+            </a:endParaRPr>
           </a:p>
           <a:p>
             <a:pPr>
@@ -6372,9 +6111,14 @@
               </a:rPr>
               <a:t>report.</a:t>
             </a:r>
-          </a:p>
-          <a:p>
-            <a:pPr marL="232683" indent="-232683">
+            <a:endParaRPr lang="en-US" sz="1600" dirty="0">
+              <a:latin typeface="Calibri" panose="020F0502020204030204" pitchFamily="34" charset="0"/>
+              <a:ea typeface="Calibri" panose="020F0502020204030204" pitchFamily="34" charset="0"/>
+              <a:cs typeface="Times New Roman" panose="02020603050405020304" pitchFamily="18" charset="0"/>
+            </a:endParaRPr>
+          </a:p>
+          <a:p>
+            <a:pPr marL="232410" indent="-232410">
               <a:lnSpc>
                 <a:spcPct val="107000"/>
               </a:lnSpc>
@@ -6470,6 +6214,11 @@
               </a:rPr>
               <a:t>   </a:t>
             </a:r>
+            <a:endParaRPr lang="en-US" sz="1600" dirty="0">
+              <a:latin typeface="Calibri" panose="020F0502020204030204" pitchFamily="34" charset="0"/>
+              <a:ea typeface="Calibri" panose="020F0502020204030204" pitchFamily="34" charset="0"/>
+              <a:cs typeface="Times New Roman" panose="02020603050405020304" pitchFamily="18" charset="0"/>
+            </a:endParaRPr>
           </a:p>
           <a:p>
             <a:pPr>
@@ -6643,7 +6392,7 @@
             </a:endParaRPr>
           </a:p>
           <a:p>
-            <a:pPr marL="232683" indent="-232683">
+            <a:pPr marL="232410" indent="-232410">
               <a:lnSpc>
                 <a:spcPct val="107000"/>
               </a:lnSpc>
@@ -6740,7 +6489,7 @@
             </a:endParaRPr>
           </a:p>
           <a:p>
-            <a:pPr marL="232683" indent="-232683">
+            <a:pPr marL="232410" indent="-232410">
               <a:lnSpc>
                 <a:spcPct val="107000"/>
               </a:lnSpc>
@@ -6940,6 +6689,11 @@
               </a:rPr>
               <a:t> γρήγορα ανάλογα μα τον καιρό , ώρα της </a:t>
             </a:r>
+            <a:endParaRPr lang="el-GR" sz="1600" dirty="0">
+              <a:latin typeface="Calibri" panose="020F0502020204030204" pitchFamily="34" charset="0"/>
+              <a:ea typeface="Calibri" panose="020F0502020204030204" pitchFamily="34" charset="0"/>
+              <a:cs typeface="Times New Roman" panose="02020603050405020304" pitchFamily="18" charset="0"/>
+            </a:endParaRPr>
           </a:p>
           <a:p>
             <a:pPr>
@@ -7116,6 +6870,11 @@
               </a:rPr>
               <a:t>που βρίσκονται στην ιστοσελίδα που μπορεί να χρησιμοποιήσει, να αντιδράσει</a:t>
             </a:r>
+            <a:endParaRPr lang="el-GR" sz="1600" dirty="0">
+              <a:latin typeface="Calibri" panose="020F0502020204030204" pitchFamily="34" charset="0"/>
+              <a:ea typeface="Calibri" panose="020F0502020204030204" pitchFamily="34" charset="0"/>
+              <a:cs typeface="Times New Roman" panose="02020603050405020304" pitchFamily="18" charset="0"/>
+            </a:endParaRPr>
           </a:p>
           <a:p>
             <a:pPr>
@@ -7195,6 +6954,11 @@
               </a:rPr>
               <a:t>   </a:t>
             </a:r>
+            <a:endParaRPr lang="el-GR" sz="1600" dirty="0">
+              <a:latin typeface="Calibri" panose="020F0502020204030204" pitchFamily="34" charset="0"/>
+              <a:ea typeface="Calibri" panose="020F0502020204030204" pitchFamily="34" charset="0"/>
+              <a:cs typeface="Times New Roman" panose="02020603050405020304" pitchFamily="18" charset="0"/>
+            </a:endParaRPr>
           </a:p>
           <a:p>
             <a:pPr>
@@ -7258,6 +7022,11 @@
               </a:rPr>
               <a:t>: Ένα ΑΙ που θα φτιάχνει καινούργιες εικόνες για να μπορεί ο χρήστης να τις χρησιμοποιεί ως </a:t>
             </a:r>
+            <a:endParaRPr lang="el-GR" sz="1600" dirty="0">
+              <a:latin typeface="Calibri" panose="020F0502020204030204" pitchFamily="34" charset="0"/>
+              <a:ea typeface="Calibri" panose="020F0502020204030204" pitchFamily="34" charset="0"/>
+              <a:cs typeface="Times New Roman" panose="02020603050405020304" pitchFamily="18" charset="0"/>
+            </a:endParaRPr>
           </a:p>
           <a:p>
             <a:pPr>
@@ -7284,41 +7053,40 @@
               </a:rPr>
               <a:t>Wallpaper.</a:t>
             </a:r>
-          </a:p>
-          <a:p>
-            <a:pPr marL="310245">
-              <a:lnSpc>
-                <a:spcPct val="107000"/>
-              </a:lnSpc>
-              <a:spcAft>
-                <a:spcPts val="542"/>
-              </a:spcAft>
-            </a:pPr>
-            <a:r>
-              <a:rPr lang="el-GR" sz="1600" dirty="0">
-                <a:latin typeface="Calibri" panose="020F0502020204030204" pitchFamily="34" charset="0"/>
-                <a:ea typeface="Calibri" panose="020F0502020204030204" pitchFamily="34" charset="0"/>
-                <a:cs typeface="Times New Roman" panose="02020603050405020304" pitchFamily="18" charset="0"/>
-              </a:rPr>
-              <a:t> </a:t>
-            </a:r>
             <a:endParaRPr lang="en-US" sz="1600" dirty="0">
               <a:latin typeface="Calibri" panose="020F0502020204030204" pitchFamily="34" charset="0"/>
               <a:ea typeface="Calibri" panose="020F0502020204030204" pitchFamily="34" charset="0"/>
               <a:cs typeface="Times New Roman" panose="02020603050405020304" pitchFamily="18" charset="0"/>
             </a:endParaRPr>
           </a:p>
-        </p:txBody>
-      </p:sp>
-      <p:sp>
-        <p:nvSpPr>
-          <p:cNvPr id="66" name="TextBox 65">
-            <a:extLst>
-              <a:ext uri="{FF2B5EF4-FFF2-40B4-BE49-F238E27FC236}">
-                <a16:creationId xmlns:a16="http://schemas.microsoft.com/office/drawing/2014/main" id="{BC6F4041-D781-4471-8A24-F0D67E0DEDFE}"/>
-              </a:ext>
-            </a:extLst>
-          </p:cNvPr>
+          <a:p>
+            <a:pPr marL="310515">
+              <a:lnSpc>
+                <a:spcPct val="107000"/>
+              </a:lnSpc>
+              <a:spcAft>
+                <a:spcPts val="540"/>
+              </a:spcAft>
+            </a:pPr>
+            <a:r>
+              <a:rPr lang="el-GR" sz="1600" dirty="0">
+                <a:latin typeface="Calibri" panose="020F0502020204030204" pitchFamily="34" charset="0"/>
+                <a:ea typeface="Calibri" panose="020F0502020204030204" pitchFamily="34" charset="0"/>
+                <a:cs typeface="Times New Roman" panose="02020603050405020304" pitchFamily="18" charset="0"/>
+              </a:rPr>
+              <a:t> </a:t>
+            </a:r>
+            <a:endParaRPr lang="en-US" sz="1600" dirty="0">
+              <a:latin typeface="Calibri" panose="020F0502020204030204" pitchFamily="34" charset="0"/>
+              <a:ea typeface="Calibri" panose="020F0502020204030204" pitchFamily="34" charset="0"/>
+              <a:cs typeface="Times New Roman" panose="02020603050405020304" pitchFamily="18" charset="0"/>
+            </a:endParaRPr>
+          </a:p>
+        </p:txBody>
+      </p:sp>
+      <p:sp>
+        <p:nvSpPr>
+          <p:cNvPr id="66" name="TextBox 65"/>
           <p:cNvSpPr txBox="1"/>
           <p:nvPr/>
         </p:nvSpPr>
@@ -7343,11 +7111,11 @@
                 <a:spcPct val="107000"/>
               </a:lnSpc>
               <a:spcAft>
-                <a:spcPts val="542"/>
+                <a:spcPts val="540"/>
               </a:spcAft>
             </a:pPr>
             <a:r>
-              <a:rPr lang="en-US" sz="2986" b="1" dirty="0">
+              <a:rPr lang="en-US" sz="2985" b="1" dirty="0">
                 <a:solidFill>
                   <a:srgbClr val="4472C4"/>
                 </a:solidFill>
@@ -7357,6 +7125,14 @@
               </a:rPr>
               <a:t>Domain Model v0.2</a:t>
             </a:r>
+            <a:endParaRPr lang="en-US" sz="2985" b="1" dirty="0">
+              <a:solidFill>
+                <a:srgbClr val="4472C4"/>
+              </a:solidFill>
+              <a:latin typeface="Calibri" panose="020F0502020204030204" pitchFamily="34" charset="0"/>
+              <a:ea typeface="Calibri" panose="020F0502020204030204" pitchFamily="34" charset="0"/>
+              <a:cs typeface="Times New Roman" panose="02020603050405020304" pitchFamily="18" charset="0"/>
+            </a:endParaRPr>
           </a:p>
           <a:p>
             <a:pPr algn="ctr">
@@ -7364,10 +7140,10 @@
                 <a:spcPct val="107000"/>
               </a:lnSpc>
               <a:spcAft>
-                <a:spcPts val="542"/>
+                <a:spcPts val="540"/>
               </a:spcAft>
             </a:pPr>
-            <a:endParaRPr lang="en-US" sz="2986" dirty="0">
+            <a:endParaRPr lang="en-US" sz="2985" dirty="0">
               <a:latin typeface="Calibri" panose="020F0502020204030204" pitchFamily="34" charset="0"/>
               <a:ea typeface="Calibri" panose="020F0502020204030204" pitchFamily="34" charset="0"/>
               <a:cs typeface="Times New Roman" panose="02020603050405020304" pitchFamily="18" charset="0"/>
@@ -7377,13 +7153,7 @@
       </p:sp>
       <p:sp>
         <p:nvSpPr>
-          <p:cNvPr id="5" name="TextBox 4">
-            <a:extLst>
-              <a:ext uri="{FF2B5EF4-FFF2-40B4-BE49-F238E27FC236}">
-                <a16:creationId xmlns:a16="http://schemas.microsoft.com/office/drawing/2014/main" id="{FE4E890E-585D-4C7E-AC32-4DD59977C1EF}"/>
-              </a:ext>
-            </a:extLst>
-          </p:cNvPr>
+          <p:cNvPr id="5" name="TextBox 4"/>
           <p:cNvSpPr txBox="1"/>
           <p:nvPr/>
         </p:nvSpPr>
@@ -7405,14 +7175,14 @@
           <a:p>
             <a:pPr algn="ctr"/>
             <a:r>
-              <a:rPr lang="el-GR" sz="2442" b="1" u="sng" dirty="0">
+              <a:rPr lang="el-GR" sz="2440" b="1" u="sng" dirty="0">
                 <a:solidFill>
                   <a:srgbClr val="FF0000"/>
                 </a:solidFill>
               </a:rPr>
               <a:t>Περιεχόμενα και λειτουργικότητες των κλάσεων </a:t>
             </a:r>
-            <a:endParaRPr lang="en-US" sz="2442" b="1" u="sng" dirty="0">
+            <a:endParaRPr lang="en-US" sz="2440" b="1" u="sng" dirty="0">
               <a:solidFill>
                 <a:srgbClr val="FF0000"/>
               </a:solidFill>
@@ -7422,13 +7192,7 @@
       </p:sp>
       <p:sp>
         <p:nvSpPr>
-          <p:cNvPr id="69" name="Rectangle 68">
-            <a:extLst>
-              <a:ext uri="{FF2B5EF4-FFF2-40B4-BE49-F238E27FC236}">
-                <a16:creationId xmlns:a16="http://schemas.microsoft.com/office/drawing/2014/main" id="{9C6D7B01-02FA-4C51-A643-8523B6A25570}"/>
-              </a:ext>
-            </a:extLst>
-          </p:cNvPr>
+          <p:cNvPr id="69" name="Rectangle 68"/>
           <p:cNvSpPr/>
           <p:nvPr/>
         </p:nvSpPr>
@@ -7474,7 +7238,7 @@
           <a:p>
             <a:pPr algn="ctr"/>
             <a:r>
-              <a:rPr lang="en-US" sz="1629" dirty="0">
+              <a:rPr lang="en-US" sz="1630" dirty="0">
                 <a:solidFill>
                   <a:schemeClr val="accent2">
                     <a:lumMod val="75000"/>
@@ -7483,11 +7247,18 @@
               </a:rPr>
               <a:t>Subscription</a:t>
             </a:r>
+            <a:endParaRPr lang="en-US" sz="1630" dirty="0">
+              <a:solidFill>
+                <a:schemeClr val="accent2">
+                  <a:lumMod val="75000"/>
+                </a:schemeClr>
+              </a:solidFill>
+            </a:endParaRPr>
           </a:p>
           <a:p>
             <a:pPr algn="ctr"/>
             <a:r>
-              <a:rPr lang="en-US" sz="1629" dirty="0">
+              <a:rPr lang="en-US" sz="1630" dirty="0">
                 <a:solidFill>
                   <a:schemeClr val="accent2">
                     <a:lumMod val="75000"/>
@@ -7496,18 +7267,19 @@
               </a:rPr>
               <a:t>VIP</a:t>
             </a:r>
-          </a:p>
-        </p:txBody>
-      </p:sp>
-      <p:sp>
-        <p:nvSpPr>
-          <p:cNvPr id="71" name="Rectangle 70">
-            <a:extLst>
-              <a:ext uri="{FF2B5EF4-FFF2-40B4-BE49-F238E27FC236}">
-                <a16:creationId xmlns:a16="http://schemas.microsoft.com/office/drawing/2014/main" id="{2DEA2C23-FABF-4514-9DD4-A46E0FA23271}"/>
-              </a:ext>
-            </a:extLst>
-          </p:cNvPr>
+            <a:endParaRPr lang="en-US" sz="1630" dirty="0">
+              <a:solidFill>
+                <a:schemeClr val="accent2">
+                  <a:lumMod val="75000"/>
+                </a:schemeClr>
+              </a:solidFill>
+            </a:endParaRPr>
+          </a:p>
+        </p:txBody>
+      </p:sp>
+      <p:sp>
+        <p:nvSpPr>
+          <p:cNvPr id="71" name="Rectangle 70"/>
           <p:cNvSpPr/>
           <p:nvPr/>
         </p:nvSpPr>
@@ -7553,7 +7325,7 @@
           <a:p>
             <a:pPr algn="ctr"/>
             <a:r>
-              <a:rPr lang="en-US" sz="1629" dirty="0">
+              <a:rPr lang="en-US" sz="1630" dirty="0">
                 <a:solidFill>
                   <a:schemeClr val="accent2">
                     <a:lumMod val="75000"/>
@@ -7563,7 +7335,7 @@
               <a:t>Subscription</a:t>
             </a:r>
             <a:r>
-              <a:rPr lang="el-GR" sz="1629" dirty="0">
+              <a:rPr lang="el-GR" sz="1630" dirty="0">
                 <a:solidFill>
                   <a:schemeClr val="accent2">
                     <a:lumMod val="75000"/>
@@ -7572,7 +7344,7 @@
               </a:rPr>
               <a:t> σε άλλον χρήστη</a:t>
             </a:r>
-            <a:endParaRPr lang="en-US" sz="1629" dirty="0">
+            <a:endParaRPr lang="en-US" sz="1630" dirty="0">
               <a:solidFill>
                 <a:schemeClr val="accent2">
                   <a:lumMod val="75000"/>
@@ -7584,13 +7356,7 @@
       </p:sp>
       <p:sp>
         <p:nvSpPr>
-          <p:cNvPr id="86" name="TextBox 85">
-            <a:extLst>
-              <a:ext uri="{FF2B5EF4-FFF2-40B4-BE49-F238E27FC236}">
-                <a16:creationId xmlns:a16="http://schemas.microsoft.com/office/drawing/2014/main" id="{42488EB5-A217-456A-A85C-49B2E2210D6E}"/>
-              </a:ext>
-            </a:extLst>
-          </p:cNvPr>
+          <p:cNvPr id="86" name="TextBox 85"/>
           <p:cNvSpPr txBox="1"/>
           <p:nvPr/>
         </p:nvSpPr>
@@ -7611,21 +7377,16 @@
           <a:lstStyle/>
           <a:p>
             <a:r>
-              <a:rPr lang="en-US" sz="1221" dirty="0"/>
+              <a:rPr lang="en-US" sz="1220" dirty="0"/>
               <a:t>*</a:t>
             </a:r>
-          </a:p>
-        </p:txBody>
-      </p:sp>
-      <p:sp>
-        <p:nvSpPr>
-          <p:cNvPr id="101" name="TextBox 100">
-            <a:extLst>
-              <a:ext uri="{FF2B5EF4-FFF2-40B4-BE49-F238E27FC236}">
-                <a16:creationId xmlns:a16="http://schemas.microsoft.com/office/drawing/2014/main" id="{85F2D688-1A68-41EA-AD77-32D8634DC9BF}"/>
-              </a:ext>
-            </a:extLst>
-          </p:cNvPr>
+            <a:endParaRPr lang="en-US" sz="1220" dirty="0"/>
+          </a:p>
+        </p:txBody>
+      </p:sp>
+      <p:sp>
+        <p:nvSpPr>
+          <p:cNvPr id="101" name="TextBox 100"/>
           <p:cNvSpPr txBox="1"/>
           <p:nvPr/>
         </p:nvSpPr>
@@ -7649,18 +7410,13 @@
               <a:rPr lang="en-US" sz="950" dirty="0"/>
               <a:t>1,2</a:t>
             </a:r>
+            <a:endParaRPr lang="en-US" sz="950" dirty="0"/>
           </a:p>
         </p:txBody>
       </p:sp>
       <p:cxnSp>
         <p:nvCxnSpPr>
-          <p:cNvPr id="24" name="Connector: Elbow 23">
-            <a:extLst>
-              <a:ext uri="{FF2B5EF4-FFF2-40B4-BE49-F238E27FC236}">
-                <a16:creationId xmlns:a16="http://schemas.microsoft.com/office/drawing/2014/main" id="{DA9453CC-9B28-487F-9AD4-AF68245B773D}"/>
-              </a:ext>
-            </a:extLst>
-          </p:cNvPr>
+          <p:cNvPr id="24" name="Connector: Elbow 23"/>
           <p:cNvCxnSpPr>
             <a:stCxn id="4" idx="3"/>
             <a:endCxn id="69" idx="1"/>
@@ -7693,13 +7449,7 @@
       </p:cxnSp>
       <p:cxnSp>
         <p:nvCxnSpPr>
-          <p:cNvPr id="26" name="Connector: Elbow 25">
-            <a:extLst>
-              <a:ext uri="{FF2B5EF4-FFF2-40B4-BE49-F238E27FC236}">
-                <a16:creationId xmlns:a16="http://schemas.microsoft.com/office/drawing/2014/main" id="{264432C9-D850-4C94-A5CC-6D666C29DE91}"/>
-              </a:ext>
-            </a:extLst>
-          </p:cNvPr>
+          <p:cNvPr id="26" name="Connector: Elbow 25"/>
           <p:cNvCxnSpPr>
             <a:stCxn id="4" idx="3"/>
             <a:endCxn id="71" idx="1"/>
@@ -7734,13 +7484,7 @@
       </p:cxnSp>
       <p:sp>
         <p:nvSpPr>
-          <p:cNvPr id="103" name="TextBox 102">
-            <a:extLst>
-              <a:ext uri="{FF2B5EF4-FFF2-40B4-BE49-F238E27FC236}">
-                <a16:creationId xmlns:a16="http://schemas.microsoft.com/office/drawing/2014/main" id="{2BB46621-D4E6-4D8D-9535-6D8DB550BA41}"/>
-              </a:ext>
-            </a:extLst>
-          </p:cNvPr>
+          <p:cNvPr id="103" name="TextBox 102"/>
           <p:cNvSpPr txBox="1"/>
           <p:nvPr/>
         </p:nvSpPr>
@@ -7770,13 +7514,7 @@
       </p:sp>
       <p:cxnSp>
         <p:nvCxnSpPr>
-          <p:cNvPr id="3" name="Connector: Elbow 2">
-            <a:extLst>
-              <a:ext uri="{FF2B5EF4-FFF2-40B4-BE49-F238E27FC236}">
-                <a16:creationId xmlns:a16="http://schemas.microsoft.com/office/drawing/2014/main" id="{FA1E0DA3-3410-4016-A947-61BE8AF9E5B0}"/>
-              </a:ext>
-            </a:extLst>
-          </p:cNvPr>
+          <p:cNvPr id="3" name="Connector: Elbow 2"/>
           <p:cNvCxnSpPr>
             <a:stCxn id="18" idx="0"/>
             <a:endCxn id="8" idx="1"/>
@@ -7809,15 +7547,8 @@
       </p:cxnSp>
       <p:cxnSp>
         <p:nvCxnSpPr>
-          <p:cNvPr id="25" name="Connector: Elbow 24">
-            <a:extLst>
-              <a:ext uri="{FF2B5EF4-FFF2-40B4-BE49-F238E27FC236}">
-                <a16:creationId xmlns:a16="http://schemas.microsoft.com/office/drawing/2014/main" id="{510B05FD-5E64-467A-B2ED-F5A081A86F20}"/>
-              </a:ext>
-            </a:extLst>
-          </p:cNvPr>
+          <p:cNvPr id="25" name="Connector: Elbow 24"/>
           <p:cNvCxnSpPr>
-            <a:cxnSpLocks/>
             <a:stCxn id="19" idx="0"/>
             <a:endCxn id="8" idx="1"/>
           </p:cNvCxnSpPr>
@@ -7852,13 +7583,7 @@
       </p:cxnSp>
       <p:sp>
         <p:nvSpPr>
-          <p:cNvPr id="2" name="Diamond 1">
-            <a:extLst>
-              <a:ext uri="{FF2B5EF4-FFF2-40B4-BE49-F238E27FC236}">
-                <a16:creationId xmlns:a16="http://schemas.microsoft.com/office/drawing/2014/main" id="{E5B30B53-32CE-0D94-D52A-F232AB38E4B2}"/>
-              </a:ext>
-            </a:extLst>
-          </p:cNvPr>
+          <p:cNvPr id="2" name="Diamond 1"/>
           <p:cNvSpPr/>
           <p:nvPr/>
         </p:nvSpPr>
@@ -7898,13 +7623,7 @@
       </p:sp>
       <p:sp>
         <p:nvSpPr>
-          <p:cNvPr id="72" name="Diamond 71">
-            <a:extLst>
-              <a:ext uri="{FF2B5EF4-FFF2-40B4-BE49-F238E27FC236}">
-                <a16:creationId xmlns:a16="http://schemas.microsoft.com/office/drawing/2014/main" id="{D7D2C2FE-F7BC-1BDA-96F4-B2E8C1AC24E7}"/>
-              </a:ext>
-            </a:extLst>
-          </p:cNvPr>
+          <p:cNvPr id="72" name="Diamond 71"/>
           <p:cNvSpPr/>
           <p:nvPr/>
         </p:nvSpPr>
@@ -7944,13 +7663,7 @@
       </p:sp>
       <p:sp>
         <p:nvSpPr>
-          <p:cNvPr id="96" name="Diamond 95">
-            <a:extLst>
-              <a:ext uri="{FF2B5EF4-FFF2-40B4-BE49-F238E27FC236}">
-                <a16:creationId xmlns:a16="http://schemas.microsoft.com/office/drawing/2014/main" id="{1B330B7B-8FAA-5753-840E-61DFB5C14AF3}"/>
-              </a:ext>
-            </a:extLst>
-          </p:cNvPr>
+          <p:cNvPr id="96" name="Diamond 95"/>
           <p:cNvSpPr/>
           <p:nvPr/>
         </p:nvSpPr>
@@ -7990,13 +7703,7 @@
       </p:sp>
       <p:sp>
         <p:nvSpPr>
-          <p:cNvPr id="104" name="Diamond 103">
-            <a:extLst>
-              <a:ext uri="{FF2B5EF4-FFF2-40B4-BE49-F238E27FC236}">
-                <a16:creationId xmlns:a16="http://schemas.microsoft.com/office/drawing/2014/main" id="{2FE31958-6B08-6B64-13F0-4901E75BB8FE}"/>
-              </a:ext>
-            </a:extLst>
-          </p:cNvPr>
+          <p:cNvPr id="104" name="Diamond 103"/>
           <p:cNvSpPr/>
           <p:nvPr/>
         </p:nvSpPr>
@@ -8036,13 +7743,7 @@
       </p:sp>
       <p:sp>
         <p:nvSpPr>
-          <p:cNvPr id="105" name="Diamond 104">
-            <a:extLst>
-              <a:ext uri="{FF2B5EF4-FFF2-40B4-BE49-F238E27FC236}">
-                <a16:creationId xmlns:a16="http://schemas.microsoft.com/office/drawing/2014/main" id="{A4F7EEA7-92C7-195B-2FFD-816138337424}"/>
-              </a:ext>
-            </a:extLst>
-          </p:cNvPr>
+          <p:cNvPr id="105" name="Diamond 104"/>
           <p:cNvSpPr/>
           <p:nvPr/>
         </p:nvSpPr>
@@ -8082,13 +7783,7 @@
       </p:sp>
       <p:sp>
         <p:nvSpPr>
-          <p:cNvPr id="106" name="Diamond 105">
-            <a:extLst>
-              <a:ext uri="{FF2B5EF4-FFF2-40B4-BE49-F238E27FC236}">
-                <a16:creationId xmlns:a16="http://schemas.microsoft.com/office/drawing/2014/main" id="{827E8BA4-D1F3-E701-3F0D-B62EF84F2C6C}"/>
-              </a:ext>
-            </a:extLst>
-          </p:cNvPr>
+          <p:cNvPr id="106" name="Diamond 105"/>
           <p:cNvSpPr/>
           <p:nvPr/>
         </p:nvSpPr>
@@ -8128,13 +7823,7 @@
       </p:sp>
       <p:sp>
         <p:nvSpPr>
-          <p:cNvPr id="15" name="Isosceles Triangle 14">
-            <a:extLst>
-              <a:ext uri="{FF2B5EF4-FFF2-40B4-BE49-F238E27FC236}">
-                <a16:creationId xmlns:a16="http://schemas.microsoft.com/office/drawing/2014/main" id="{5EE21AAD-7EE8-4E63-68D1-7BE8980BF395}"/>
-              </a:ext>
-            </a:extLst>
-          </p:cNvPr>
+          <p:cNvPr id="15" name="Isosceles Triangle 14"/>
           <p:cNvSpPr/>
           <p:nvPr/>
         </p:nvSpPr>
@@ -8182,13 +7871,7 @@
       </p:sp>
       <p:sp>
         <p:nvSpPr>
-          <p:cNvPr id="107" name="Diamond 106">
-            <a:extLst>
-              <a:ext uri="{FF2B5EF4-FFF2-40B4-BE49-F238E27FC236}">
-                <a16:creationId xmlns:a16="http://schemas.microsoft.com/office/drawing/2014/main" id="{F86E4BF4-B427-D67A-6512-C6A5769513CA}"/>
-              </a:ext>
-            </a:extLst>
-          </p:cNvPr>
+          <p:cNvPr id="107" name="Diamond 106"/>
           <p:cNvSpPr/>
           <p:nvPr/>
         </p:nvSpPr>
@@ -8228,13 +7911,7 @@
       </p:sp>
       <p:sp>
         <p:nvSpPr>
-          <p:cNvPr id="108" name="Diamond 107">
-            <a:extLst>
-              <a:ext uri="{FF2B5EF4-FFF2-40B4-BE49-F238E27FC236}">
-                <a16:creationId xmlns:a16="http://schemas.microsoft.com/office/drawing/2014/main" id="{322ACB96-0C86-C800-5010-107349E6BCF4}"/>
-              </a:ext>
-            </a:extLst>
-          </p:cNvPr>
+          <p:cNvPr id="108" name="Diamond 107"/>
           <p:cNvSpPr/>
           <p:nvPr/>
         </p:nvSpPr>
@@ -8274,13 +7951,7 @@
       </p:sp>
       <p:sp>
         <p:nvSpPr>
-          <p:cNvPr id="109" name="Isosceles Triangle 108">
-            <a:extLst>
-              <a:ext uri="{FF2B5EF4-FFF2-40B4-BE49-F238E27FC236}">
-                <a16:creationId xmlns:a16="http://schemas.microsoft.com/office/drawing/2014/main" id="{4C34A4E7-BD7C-CCEC-3427-46FCC9D1738D}"/>
-              </a:ext>
-            </a:extLst>
-          </p:cNvPr>
+          <p:cNvPr id="109" name="Isosceles Triangle 108"/>
           <p:cNvSpPr/>
           <p:nvPr/>
         </p:nvSpPr>
@@ -8328,13 +7999,7 @@
       </p:sp>
       <p:sp>
         <p:nvSpPr>
-          <p:cNvPr id="110" name="Diamond 109">
-            <a:extLst>
-              <a:ext uri="{FF2B5EF4-FFF2-40B4-BE49-F238E27FC236}">
-                <a16:creationId xmlns:a16="http://schemas.microsoft.com/office/drawing/2014/main" id="{1DDBAEC8-DB0E-3181-06AE-2FFA7DB9AE93}"/>
-              </a:ext>
-            </a:extLst>
-          </p:cNvPr>
+          <p:cNvPr id="110" name="Diamond 109"/>
           <p:cNvSpPr/>
           <p:nvPr/>
         </p:nvSpPr>
@@ -8374,13 +8039,7 @@
       </p:sp>
       <p:sp>
         <p:nvSpPr>
-          <p:cNvPr id="111" name="Diamond 110">
-            <a:extLst>
-              <a:ext uri="{FF2B5EF4-FFF2-40B4-BE49-F238E27FC236}">
-                <a16:creationId xmlns:a16="http://schemas.microsoft.com/office/drawing/2014/main" id="{A2A73474-F6DD-4710-A4C0-F1E83C8FD5D9}"/>
-              </a:ext>
-            </a:extLst>
-          </p:cNvPr>
+          <p:cNvPr id="111" name="Diamond 110"/>
           <p:cNvSpPr/>
           <p:nvPr/>
         </p:nvSpPr>
@@ -8420,13 +8079,7 @@
       </p:sp>
       <p:sp>
         <p:nvSpPr>
-          <p:cNvPr id="112" name="Diamond 111">
-            <a:extLst>
-              <a:ext uri="{FF2B5EF4-FFF2-40B4-BE49-F238E27FC236}">
-                <a16:creationId xmlns:a16="http://schemas.microsoft.com/office/drawing/2014/main" id="{399D3B6A-E8A0-26C9-A7E0-79DFD67C2813}"/>
-              </a:ext>
-            </a:extLst>
-          </p:cNvPr>
+          <p:cNvPr id="112" name="Diamond 111"/>
           <p:cNvSpPr/>
           <p:nvPr/>
         </p:nvSpPr>
@@ -8466,13 +8119,7 @@
       </p:sp>
       <p:sp>
         <p:nvSpPr>
-          <p:cNvPr id="113" name="Diamond 112">
-            <a:extLst>
-              <a:ext uri="{FF2B5EF4-FFF2-40B4-BE49-F238E27FC236}">
-                <a16:creationId xmlns:a16="http://schemas.microsoft.com/office/drawing/2014/main" id="{AA9556E1-769F-F340-402B-EF6BBF9021FC}"/>
-              </a:ext>
-            </a:extLst>
-          </p:cNvPr>
+          <p:cNvPr id="113" name="Diamond 112"/>
           <p:cNvSpPr/>
           <p:nvPr/>
         </p:nvSpPr>
@@ -8511,11 +8158,6 @@
         </p:txBody>
       </p:sp>
     </p:spTree>
-    <p:extLst>
-      <p:ext uri="{BB962C8B-B14F-4D97-AF65-F5344CB8AC3E}">
-        <p14:creationId xmlns:p14="http://schemas.microsoft.com/office/powerpoint/2010/main" val="3718629097"/>
-      </p:ext>
-    </p:extLst>
   </p:cSld>
   <p:clrMapOvr>
     <a:masterClrMapping/>
@@ -8566,7 +8208,7 @@
     </a:clrScheme>
     <a:fontScheme name="Office Theme">
       <a:majorFont>
-        <a:latin typeface="Calibri Light" panose="020F0302020204030204"/>
+        <a:latin typeface="Calibri Light"/>
         <a:ea typeface=""/>
         <a:cs typeface=""/>
         <a:font script="Jpan" typeface="游ゴシック Light"/>
@@ -8601,7 +8243,7 @@
         <a:font script="Geor" typeface="Sylfaen"/>
       </a:majorFont>
       <a:minorFont>
-        <a:latin typeface="Calibri" panose="020F0502020204030204"/>
+        <a:latin typeface="Calibri"/>
         <a:ea typeface=""/>
         <a:cs typeface=""/>
         <a:font script="Jpan" typeface="游ゴシック"/>
@@ -8774,8 +8416,6 @@
       </a:bgFillStyleLst>
     </a:fmtScheme>
   </a:themeElements>
-  <a:objectDefaults/>
-  <a:extraClrSchemeLst/>
   <a:extLst>
     <a:ext uri="{05A4C25C-085E-4340-85A3-A5531E510DB2}">
       <thm15:themeFamily xmlns:thm15="http://schemas.microsoft.com/office/thememl/2012/main" name="Office Theme" id="{62F939B6-93AF-4DB8-9C6B-D6C7DFDC589F}" vid="{4A3C46E8-61CC-4603-A589-7422A47A8E4A}"/>
